--- a/presentation1/Exercises.pptx
+++ b/presentation1/Exercises.pptx
@@ -5,7 +5,7 @@
     <p:sldMasterId id="2147483678" r:id="rId1"/>
   </p:sldMasterIdLst>
   <p:notesMasterIdLst>
-    <p:notesMasterId r:id="rId7"/>
+    <p:notesMasterId r:id="rId10"/>
   </p:notesMasterIdLst>
   <p:sldIdLst>
     <p:sldId id="256" r:id="rId2"/>
@@ -13,6 +13,9 @@
     <p:sldId id="259" r:id="rId4"/>
     <p:sldId id="260" r:id="rId5"/>
     <p:sldId id="261" r:id="rId6"/>
+    <p:sldId id="262" r:id="rId7"/>
+    <p:sldId id="263" r:id="rId8"/>
+    <p:sldId id="264" r:id="rId9"/>
   </p:sldIdLst>
   <p:sldSz cx="12192000" cy="6858000"/>
   <p:notesSz cx="6858000" cy="9144000"/>
@@ -111,6 +114,11 @@
       </a:defRPr>
     </a:lvl9pPr>
   </p:defaultTextStyle>
+  <p:extLst>
+    <p:ext uri="{EFAFB233-063F-42B5-8137-9DF3F51BA10A}">
+      <p15:sldGuideLst xmlns:p15="http://schemas.microsoft.com/office/powerpoint/2012/main"/>
+    </p:ext>
+  </p:extLst>
 </p:presentation>
 </file>
 
@@ -196,7 +204,7 @@
           <a:p>
             <a:fld id="{B4BD9382-899A-48EE-A56D-B10B8C6E8317}" type="datetimeFigureOut">
               <a:rPr lang="en-US" smtClean="0"/>
-              <a:t>2/10/2015</a:t>
+              <a:t>2/11/2015</a:t>
             </a:fld>
             <a:endParaRPr lang="en-US"/>
           </a:p>
@@ -1606,7 +1614,7 @@
           <a:p>
             <a:fld id="{206EFEAF-1218-4239-B8F8-9D00AAA8B4F6}" type="datetimeFigureOut">
               <a:rPr lang="en-US" smtClean="0"/>
-              <a:t>2/10/2015</a:t>
+              <a:t>2/11/2015</a:t>
             </a:fld>
             <a:endParaRPr lang="en-US"/>
           </a:p>
@@ -1857,7 +1865,7 @@
           <a:p>
             <a:fld id="{206EFEAF-1218-4239-B8F8-9D00AAA8B4F6}" type="datetimeFigureOut">
               <a:rPr lang="en-US" smtClean="0"/>
-              <a:t>2/10/2015</a:t>
+              <a:t>2/11/2015</a:t>
             </a:fld>
             <a:endParaRPr lang="en-US"/>
           </a:p>
@@ -2171,7 +2179,7 @@
           <a:p>
             <a:fld id="{206EFEAF-1218-4239-B8F8-9D00AAA8B4F6}" type="datetimeFigureOut">
               <a:rPr lang="en-US" smtClean="0"/>
-              <a:t>2/10/2015</a:t>
+              <a:t>2/11/2015</a:t>
             </a:fld>
             <a:endParaRPr lang="en-US"/>
           </a:p>
@@ -2512,7 +2520,7 @@
           <a:p>
             <a:fld id="{206EFEAF-1218-4239-B8F8-9D00AAA8B4F6}" type="datetimeFigureOut">
               <a:rPr lang="en-US" smtClean="0"/>
-              <a:t>2/10/2015</a:t>
+              <a:t>2/11/2015</a:t>
             </a:fld>
             <a:endParaRPr lang="en-US"/>
           </a:p>
@@ -2826,7 +2834,7 @@
           <a:p>
             <a:fld id="{206EFEAF-1218-4239-B8F8-9D00AAA8B4F6}" type="datetimeFigureOut">
               <a:rPr lang="en-US" smtClean="0"/>
-              <a:t>2/10/2015</a:t>
+              <a:t>2/11/2015</a:t>
             </a:fld>
             <a:endParaRPr lang="en-US"/>
           </a:p>
@@ -3219,7 +3227,7 @@
           <a:p>
             <a:fld id="{206EFEAF-1218-4239-B8F8-9D00AAA8B4F6}" type="datetimeFigureOut">
               <a:rPr lang="en-US" smtClean="0"/>
-              <a:t>2/10/2015</a:t>
+              <a:t>2/11/2015</a:t>
             </a:fld>
             <a:endParaRPr lang="en-US"/>
           </a:p>
@@ -3389,7 +3397,7 @@
           <a:p>
             <a:fld id="{206EFEAF-1218-4239-B8F8-9D00AAA8B4F6}" type="datetimeFigureOut">
               <a:rPr lang="en-US" smtClean="0"/>
-              <a:t>2/10/2015</a:t>
+              <a:t>2/11/2015</a:t>
             </a:fld>
             <a:endParaRPr lang="en-US"/>
           </a:p>
@@ -3569,7 +3577,7 @@
           <a:p>
             <a:fld id="{206EFEAF-1218-4239-B8F8-9D00AAA8B4F6}" type="datetimeFigureOut">
               <a:rPr lang="en-US" smtClean="0"/>
-              <a:t>2/10/2015</a:t>
+              <a:t>2/11/2015</a:t>
             </a:fld>
             <a:endParaRPr lang="en-US"/>
           </a:p>
@@ -3745,7 +3753,7 @@
           <a:p>
             <a:fld id="{206EFEAF-1218-4239-B8F8-9D00AAA8B4F6}" type="datetimeFigureOut">
               <a:rPr lang="en-US" smtClean="0"/>
-              <a:t>2/10/2015</a:t>
+              <a:t>2/11/2015</a:t>
             </a:fld>
             <a:endParaRPr lang="en-US"/>
           </a:p>
@@ -3992,7 +4000,7 @@
           <a:p>
             <a:fld id="{206EFEAF-1218-4239-B8F8-9D00AAA8B4F6}" type="datetimeFigureOut">
               <a:rPr lang="en-US" smtClean="0"/>
-              <a:t>2/10/2015</a:t>
+              <a:t>2/11/2015</a:t>
             </a:fld>
             <a:endParaRPr lang="en-US"/>
           </a:p>
@@ -4224,7 +4232,7 @@
           <a:p>
             <a:fld id="{206EFEAF-1218-4239-B8F8-9D00AAA8B4F6}" type="datetimeFigureOut">
               <a:rPr lang="en-US" smtClean="0"/>
-              <a:t>2/10/2015</a:t>
+              <a:t>2/11/2015</a:t>
             </a:fld>
             <a:endParaRPr lang="en-US"/>
           </a:p>
@@ -4598,7 +4606,7 @@
           <a:p>
             <a:fld id="{206EFEAF-1218-4239-B8F8-9D00AAA8B4F6}" type="datetimeFigureOut">
               <a:rPr lang="en-US" smtClean="0"/>
-              <a:t>2/10/2015</a:t>
+              <a:t>2/11/2015</a:t>
             </a:fld>
             <a:endParaRPr lang="en-US"/>
           </a:p>
@@ -4721,7 +4729,7 @@
           <a:p>
             <a:fld id="{206EFEAF-1218-4239-B8F8-9D00AAA8B4F6}" type="datetimeFigureOut">
               <a:rPr lang="en-US" smtClean="0"/>
-              <a:t>2/10/2015</a:t>
+              <a:t>2/11/2015</a:t>
             </a:fld>
             <a:endParaRPr lang="en-US"/>
           </a:p>
@@ -4816,7 +4824,7 @@
           <a:p>
             <a:fld id="{206EFEAF-1218-4239-B8F8-9D00AAA8B4F6}" type="datetimeFigureOut">
               <a:rPr lang="en-US" smtClean="0"/>
-              <a:t>2/10/2015</a:t>
+              <a:t>2/11/2015</a:t>
             </a:fld>
             <a:endParaRPr lang="en-US"/>
           </a:p>
@@ -5071,7 +5079,7 @@
           <a:p>
             <a:fld id="{206EFEAF-1218-4239-B8F8-9D00AAA8B4F6}" type="datetimeFigureOut">
               <a:rPr lang="en-US" smtClean="0"/>
-              <a:t>2/10/2015</a:t>
+              <a:t>2/11/2015</a:t>
             </a:fld>
             <a:endParaRPr lang="en-US"/>
           </a:p>
@@ -5334,7 +5342,7 @@
           <a:p>
             <a:fld id="{206EFEAF-1218-4239-B8F8-9D00AAA8B4F6}" type="datetimeFigureOut">
               <a:rPr lang="en-US" smtClean="0"/>
-              <a:t>2/10/2015</a:t>
+              <a:t>2/11/2015</a:t>
             </a:fld>
             <a:endParaRPr lang="en-US"/>
           </a:p>
@@ -6077,7 +6085,7 @@
           <a:p>
             <a:fld id="{206EFEAF-1218-4239-B8F8-9D00AAA8B4F6}" type="datetimeFigureOut">
               <a:rPr lang="en-US" smtClean="0"/>
-              <a:t>2/10/2015</a:t>
+              <a:t>2/11/2015</a:t>
             </a:fld>
             <a:endParaRPr lang="en-US"/>
           </a:p>
@@ -6731,7 +6739,15 @@
           <a:p>
             <a:r>
               <a:rPr lang="en-US" dirty="0" smtClean="0"/>
-              <a:t>Each node has a weight value equal to the length of its string plus the sum of all leaf nodes' weight in its left subtree.</a:t>
+              <a:t>Each node has a weight value equal to the </a:t>
+            </a:r>
+            <a:r>
+              <a:rPr lang="en-US" dirty="0" smtClean="0"/>
+              <a:t>sum </a:t>
+            </a:r>
+            <a:r>
+              <a:rPr lang="en-US" dirty="0" smtClean="0"/>
+              <a:t>of all leaf nodes' weight in its left subtree.</a:t>
             </a:r>
           </a:p>
           <a:p>
@@ -6745,7 +6761,7 @@
       </p:sp>
       <p:pic>
         <p:nvPicPr>
-          <p:cNvPr id="5" name="Content Placeholder 4"/>
+          <p:cNvPr id="6" name="Content Placeholder 5"/>
           <p:cNvPicPr>
             <a:picLocks noGrp="1" noChangeAspect="1"/>
           </p:cNvPicPr>
@@ -6767,8 +6783,8 @@
         </p:blipFill>
         <p:spPr>
           <a:xfrm>
-            <a:off x="5089525" y="2406160"/>
-            <a:ext cx="6606540" cy="3389630"/>
+            <a:off x="4861369" y="2406160"/>
+            <a:ext cx="6088380" cy="3389630"/>
           </a:xfrm>
         </p:spPr>
       </p:pic>
@@ -6826,7 +6842,7 @@
           <a:p>
             <a:r>
               <a:rPr lang="en-US" dirty="0" smtClean="0"/>
-              <a:t>Index</a:t>
+              <a:t>Index – O(log n)</a:t>
             </a:r>
             <a:endParaRPr lang="en-US" dirty="0"/>
           </a:p>
@@ -6844,8 +6860,8 @@
         </p:nvSpPr>
         <p:spPr>
           <a:xfrm>
-            <a:off x="677335" y="2160589"/>
-            <a:ext cx="4256616" cy="3880772"/>
+            <a:off x="677336" y="2160589"/>
+            <a:ext cx="4184650" cy="3880772"/>
           </a:xfrm>
         </p:spPr>
         <p:txBody>
@@ -7132,11 +7148,7 @@
           <a:p>
             <a:r>
               <a:rPr lang="en-US" b="1" dirty="0" smtClean="0"/>
-              <a:t>YOU: Trace the rope to find </a:t>
-            </a:r>
-            <a:r>
-              <a:rPr lang="en-US" b="1" dirty="0" smtClean="0"/>
-              <a:t>index(root, 12)</a:t>
+              <a:t>YOU: Trace the rope to find index(root, 12)</a:t>
             </a:r>
           </a:p>
           <a:p>
@@ -7149,7 +7161,7 @@
       </p:sp>
       <p:pic>
         <p:nvPicPr>
-          <p:cNvPr id="5" name="Content Placeholder 4"/>
+          <p:cNvPr id="6" name="Content Placeholder 5"/>
           <p:cNvPicPr>
             <a:picLocks noGrp="1" noChangeAspect="1"/>
           </p:cNvPicPr>
@@ -7171,8 +7183,8 @@
         </p:blipFill>
         <p:spPr>
           <a:xfrm>
-            <a:off x="5089525" y="2406160"/>
-            <a:ext cx="6606540" cy="3389630"/>
+            <a:off x="4861986" y="2406160"/>
+            <a:ext cx="6088380" cy="3389630"/>
           </a:xfrm>
         </p:spPr>
       </p:pic>
@@ -7232,6 +7244,10 @@
               <a:rPr lang="en-US" dirty="0" err="1" smtClean="0"/>
               <a:t>Concat</a:t>
             </a:r>
+            <a:r>
+              <a:rPr lang="en-US" dirty="0" smtClean="0"/>
+              <a:t> – O(log n)</a:t>
+            </a:r>
             <a:endParaRPr lang="en-US" dirty="0"/>
           </a:p>
         </p:txBody>
@@ -7314,7 +7330,16 @@
                 </a:solidFill>
                 <a:effectLst/>
               </a:rPr>
-              <a:t>right = S</a:t>
+              <a:t>right = </a:t>
+            </a:r>
+            <a:r>
+              <a:rPr lang="en-US" b="0" i="1" dirty="0" smtClean="0">
+                <a:solidFill>
+                  <a:srgbClr val="252525"/>
+                </a:solidFill>
+                <a:effectLst/>
+              </a:rPr>
+              <a:t>S</a:t>
             </a:r>
             <a:r>
               <a:rPr lang="en-US" b="0" i="1" baseline="-25000" dirty="0" smtClean="0">
@@ -7325,15 +7350,12 @@
               </a:rPr>
               <a:t>2</a:t>
             </a:r>
-            <a:r>
-              <a:rPr lang="en-US" b="0" i="0" dirty="0" smtClean="0">
-                <a:solidFill>
-                  <a:srgbClr val="252525"/>
-                </a:solidFill>
-                <a:effectLst/>
-              </a:rPr>
-              <a:t>,</a:t>
-            </a:r>
+            <a:endParaRPr lang="en-US" b="0" i="0" dirty="0" smtClean="0">
+              <a:solidFill>
+                <a:srgbClr val="252525"/>
+              </a:solidFill>
+              <a:effectLst/>
+            </a:endParaRPr>
           </a:p>
           <a:p>
             <a:r>
@@ -7388,7 +7410,7 @@
         </p:blipFill>
         <p:spPr>
           <a:xfrm>
-            <a:off x="5842000" y="3323735"/>
+            <a:off x="4861369" y="3323735"/>
             <a:ext cx="5419090" cy="1554480"/>
           </a:xfrm>
         </p:spPr>
@@ -7440,7 +7462,7 @@
           <a:p>
             <a:r>
               <a:rPr lang="en-US" dirty="0" smtClean="0"/>
-              <a:t>Split</a:t>
+              <a:t>Split – O(log n)</a:t>
             </a:r>
             <a:endParaRPr lang="en-US" dirty="0"/>
           </a:p>
@@ -7567,7 +7589,7 @@
         </p:blipFill>
         <p:spPr>
           <a:xfrm>
-            <a:off x="5165725" y="2406160"/>
+            <a:off x="4861369" y="2406160"/>
             <a:ext cx="6606540" cy="3389630"/>
           </a:xfrm>
         </p:spPr>
@@ -7589,6 +7611,884 @@
       </p:par>
     </p:tnLst>
   </p:timing>
+</p:sld>
+</file>
+
+<file path=ppt/slides/slide6.xml><?xml version="1.0" encoding="utf-8"?>
+<p:sld xmlns:a="http://schemas.openxmlformats.org/drawingml/2006/main" xmlns:r="http://schemas.openxmlformats.org/officeDocument/2006/relationships" xmlns:p="http://schemas.openxmlformats.org/presentationml/2006/main">
+  <p:cSld>
+    <p:spTree>
+      <p:nvGrpSpPr>
+        <p:cNvPr id="1" name=""/>
+        <p:cNvGrpSpPr/>
+        <p:nvPr/>
+      </p:nvGrpSpPr>
+      <p:grpSpPr>
+        <a:xfrm>
+          <a:off x="0" y="0"/>
+          <a:ext cx="0" cy="0"/>
+          <a:chOff x="0" y="0"/>
+          <a:chExt cx="0" cy="0"/>
+        </a:xfrm>
+      </p:grpSpPr>
+      <p:sp>
+        <p:nvSpPr>
+          <p:cNvPr id="2" name="Title 1"/>
+          <p:cNvSpPr>
+            <a:spLocks noGrp="1"/>
+          </p:cNvSpPr>
+          <p:nvPr>
+            <p:ph type="title"/>
+          </p:nvPr>
+        </p:nvSpPr>
+        <p:spPr/>
+        <p:txBody>
+          <a:bodyPr/>
+          <a:lstStyle/>
+          <a:p>
+            <a:r>
+              <a:rPr lang="en-US" dirty="0" smtClean="0"/>
+              <a:t>Insert – O(log n) </a:t>
+            </a:r>
+            <a:endParaRPr lang="en-US" dirty="0"/>
+          </a:p>
+        </p:txBody>
+      </p:sp>
+      <p:sp>
+        <p:nvSpPr>
+          <p:cNvPr id="3" name="Content Placeholder 2"/>
+          <p:cNvSpPr>
+            <a:spLocks noGrp="1"/>
+          </p:cNvSpPr>
+          <p:nvPr>
+            <p:ph sz="half" idx="1"/>
+          </p:nvPr>
+        </p:nvSpPr>
+        <p:spPr/>
+        <p:txBody>
+          <a:bodyPr/>
+          <a:lstStyle/>
+          <a:p>
+            <a:r>
+              <a:rPr lang="en-US" dirty="0" smtClean="0"/>
+              <a:t>Insert(</a:t>
+            </a:r>
+            <a:r>
+              <a:rPr lang="en-US" dirty="0" err="1" smtClean="0"/>
+              <a:t>i</a:t>
+            </a:r>
+            <a:r>
+              <a:rPr lang="en-US" dirty="0" smtClean="0"/>
+              <a:t>, S): </a:t>
+            </a:r>
+            <a:r>
+              <a:rPr lang="en-US" dirty="0" err="1" smtClean="0"/>
+              <a:t>instert</a:t>
+            </a:r>
+            <a:r>
+              <a:rPr lang="en-US" dirty="0" smtClean="0"/>
+              <a:t> string S at position </a:t>
+            </a:r>
+            <a:r>
+              <a:rPr lang="en-US" dirty="0" err="1" smtClean="0"/>
+              <a:t>i</a:t>
+            </a:r>
+            <a:r>
+              <a:rPr lang="en-US" dirty="0" smtClean="0"/>
+              <a:t>.</a:t>
+            </a:r>
+          </a:p>
+          <a:p>
+            <a:r>
+              <a:rPr lang="en-US" dirty="0" smtClean="0"/>
+              <a:t>Operation can be completed by:</a:t>
+            </a:r>
+          </a:p>
+          <a:p>
+            <a:pPr lvl="1"/>
+            <a:r>
+              <a:rPr lang="en-US" dirty="0" smtClean="0"/>
+              <a:t>Split()</a:t>
+            </a:r>
+          </a:p>
+          <a:p>
+            <a:pPr lvl="1"/>
+            <a:r>
+              <a:rPr lang="en-US" dirty="0" err="1" smtClean="0"/>
+              <a:t>Concat</a:t>
+            </a:r>
+            <a:r>
+              <a:rPr lang="en-US" dirty="0" smtClean="0"/>
+              <a:t>()</a:t>
+            </a:r>
+          </a:p>
+          <a:p>
+            <a:pPr lvl="1"/>
+            <a:r>
+              <a:rPr lang="en-US" dirty="0" err="1" smtClean="0"/>
+              <a:t>Concat</a:t>
+            </a:r>
+            <a:r>
+              <a:rPr lang="en-US" dirty="0" smtClean="0"/>
+              <a:t>()</a:t>
+            </a:r>
+          </a:p>
+          <a:p>
+            <a:r>
+              <a:rPr lang="en-US" b="1" dirty="0" smtClean="0"/>
+              <a:t>YOU: Insert(24, “</a:t>
+            </a:r>
+            <a:r>
+              <a:rPr lang="en-US" b="1" dirty="0" err="1" smtClean="0"/>
+              <a:t>big_full</a:t>
+            </a:r>
+            <a:r>
+              <a:rPr lang="en-US" b="1" dirty="0" smtClean="0"/>
+              <a:t>_”)</a:t>
+            </a:r>
+            <a:endParaRPr lang="en-US" b="1" dirty="0"/>
+          </a:p>
+        </p:txBody>
+      </p:sp>
+      <p:pic>
+        <p:nvPicPr>
+          <p:cNvPr id="5" name="Content Placeholder 4"/>
+          <p:cNvPicPr>
+            <a:picLocks noGrp="1" noChangeAspect="1"/>
+          </p:cNvPicPr>
+          <p:nvPr>
+            <p:ph sz="half" idx="2"/>
+          </p:nvPr>
+        </p:nvPicPr>
+        <p:blipFill>
+          <a:blip r:embed="rId2">
+            <a:extLst>
+              <a:ext uri="{28A0092B-C50C-407E-A947-70E740481C1C}">
+                <a14:useLocalDpi xmlns:a14="http://schemas.microsoft.com/office/drawing/2010/main" val="0"/>
+              </a:ext>
+            </a:extLst>
+          </a:blip>
+          <a:stretch>
+            <a:fillRect/>
+          </a:stretch>
+        </p:blipFill>
+        <p:spPr>
+          <a:xfrm>
+            <a:off x="4861369" y="1650510"/>
+            <a:ext cx="6606540" cy="4900930"/>
+          </a:xfrm>
+        </p:spPr>
+      </p:pic>
+    </p:spTree>
+    <p:extLst>
+      <p:ext uri="{BB962C8B-B14F-4D97-AF65-F5344CB8AC3E}">
+        <p14:creationId xmlns:p14="http://schemas.microsoft.com/office/powerpoint/2010/main" val="2865761912"/>
+      </p:ext>
+    </p:extLst>
+  </p:cSld>
+  <p:clrMapOvr>
+    <a:masterClrMapping/>
+  </p:clrMapOvr>
+</p:sld>
+</file>
+
+<file path=ppt/slides/slide7.xml><?xml version="1.0" encoding="utf-8"?>
+<p:sld xmlns:a="http://schemas.openxmlformats.org/drawingml/2006/main" xmlns:r="http://schemas.openxmlformats.org/officeDocument/2006/relationships" xmlns:p="http://schemas.openxmlformats.org/presentationml/2006/main">
+  <p:cSld>
+    <p:spTree>
+      <p:nvGrpSpPr>
+        <p:cNvPr id="1" name=""/>
+        <p:cNvGrpSpPr/>
+        <p:nvPr/>
+      </p:nvGrpSpPr>
+      <p:grpSpPr>
+        <a:xfrm>
+          <a:off x="0" y="0"/>
+          <a:ext cx="0" cy="0"/>
+          <a:chOff x="0" y="0"/>
+          <a:chExt cx="0" cy="0"/>
+        </a:xfrm>
+      </p:grpSpPr>
+      <p:sp>
+        <p:nvSpPr>
+          <p:cNvPr id="2" name="Title 1"/>
+          <p:cNvSpPr>
+            <a:spLocks noGrp="1"/>
+          </p:cNvSpPr>
+          <p:nvPr>
+            <p:ph type="title"/>
+          </p:nvPr>
+        </p:nvSpPr>
+        <p:spPr/>
+        <p:txBody>
+          <a:bodyPr/>
+          <a:lstStyle/>
+          <a:p>
+            <a:r>
+              <a:rPr lang="en-US" dirty="0" smtClean="0"/>
+              <a:t>Delete – O(log n)</a:t>
+            </a:r>
+            <a:endParaRPr lang="en-US" dirty="0"/>
+          </a:p>
+        </p:txBody>
+      </p:sp>
+      <p:sp>
+        <p:nvSpPr>
+          <p:cNvPr id="3" name="Content Placeholder 2"/>
+          <p:cNvSpPr>
+            <a:spLocks noGrp="1"/>
+          </p:cNvSpPr>
+          <p:nvPr>
+            <p:ph sz="half" idx="1"/>
+          </p:nvPr>
+        </p:nvSpPr>
+        <p:spPr/>
+        <p:txBody>
+          <a:bodyPr/>
+          <a:lstStyle/>
+          <a:p>
+            <a:r>
+              <a:rPr lang="en-US" dirty="0" smtClean="0"/>
+              <a:t>Delete(</a:t>
+            </a:r>
+            <a:r>
+              <a:rPr lang="en-US" dirty="0" err="1" smtClean="0"/>
+              <a:t>i</a:t>
+            </a:r>
+            <a:r>
+              <a:rPr lang="en-US" dirty="0" smtClean="0"/>
+              <a:t>, j): delete the substring at indices </a:t>
+            </a:r>
+            <a:r>
+              <a:rPr lang="en-US" dirty="0" err="1" smtClean="0"/>
+              <a:t>i</a:t>
+            </a:r>
+            <a:r>
+              <a:rPr lang="en-US" dirty="0" smtClean="0"/>
+              <a:t> to j Rope to form a new Rope.</a:t>
+            </a:r>
+          </a:p>
+          <a:p>
+            <a:r>
+              <a:rPr lang="en-US" dirty="0" smtClean="0"/>
+              <a:t>Operation can be complete by:</a:t>
+            </a:r>
+            <a:endParaRPr lang="en-US" dirty="0"/>
+          </a:p>
+          <a:p>
+            <a:pPr lvl="1"/>
+            <a:r>
+              <a:rPr lang="en-US" dirty="0" smtClean="0"/>
+              <a:t>Split()</a:t>
+            </a:r>
+          </a:p>
+          <a:p>
+            <a:pPr lvl="1"/>
+            <a:r>
+              <a:rPr lang="en-US" dirty="0" smtClean="0"/>
+              <a:t>Split()</a:t>
+            </a:r>
+          </a:p>
+          <a:p>
+            <a:pPr lvl="1"/>
+            <a:r>
+              <a:rPr lang="en-US" dirty="0" err="1" smtClean="0"/>
+              <a:t>Concat</a:t>
+            </a:r>
+            <a:r>
+              <a:rPr lang="en-US" dirty="0" smtClean="0"/>
+              <a:t>()</a:t>
+            </a:r>
+          </a:p>
+          <a:p>
+            <a:r>
+              <a:rPr lang="en-US" b="1" dirty="0" smtClean="0"/>
+              <a:t>YOU: Delete(5, 9)</a:t>
+            </a:r>
+            <a:endParaRPr lang="en-US" b="1" dirty="0"/>
+          </a:p>
+        </p:txBody>
+      </p:sp>
+      <p:pic>
+        <p:nvPicPr>
+          <p:cNvPr id="5" name="Content Placeholder 4"/>
+          <p:cNvPicPr>
+            <a:picLocks noGrp="1" noChangeAspect="1"/>
+          </p:cNvPicPr>
+          <p:nvPr>
+            <p:ph sz="half" idx="2"/>
+          </p:nvPr>
+        </p:nvPicPr>
+        <p:blipFill>
+          <a:blip r:embed="rId2">
+            <a:extLst>
+              <a:ext uri="{28A0092B-C50C-407E-A947-70E740481C1C}">
+                <a14:useLocalDpi xmlns:a14="http://schemas.microsoft.com/office/drawing/2010/main" val="0"/>
+              </a:ext>
+            </a:extLst>
+          </a:blip>
+          <a:stretch>
+            <a:fillRect/>
+          </a:stretch>
+        </p:blipFill>
+        <p:spPr>
+          <a:xfrm>
+            <a:off x="4861369" y="2514110"/>
+            <a:ext cx="5742940" cy="3173730"/>
+          </a:xfrm>
+        </p:spPr>
+      </p:pic>
+    </p:spTree>
+    <p:extLst>
+      <p:ext uri="{BB962C8B-B14F-4D97-AF65-F5344CB8AC3E}">
+        <p14:creationId xmlns:p14="http://schemas.microsoft.com/office/powerpoint/2010/main" val="3774578630"/>
+      </p:ext>
+    </p:extLst>
+  </p:cSld>
+  <p:clrMapOvr>
+    <a:masterClrMapping/>
+  </p:clrMapOvr>
+</p:sld>
+</file>
+
+<file path=ppt/slides/slide8.xml><?xml version="1.0" encoding="utf-8"?>
+<p:sld xmlns:a="http://schemas.openxmlformats.org/drawingml/2006/main" xmlns:r="http://schemas.openxmlformats.org/officeDocument/2006/relationships" xmlns:p="http://schemas.openxmlformats.org/presentationml/2006/main">
+  <p:cSld>
+    <p:spTree>
+      <p:nvGrpSpPr>
+        <p:cNvPr id="1" name=""/>
+        <p:cNvGrpSpPr/>
+        <p:nvPr/>
+      </p:nvGrpSpPr>
+      <p:grpSpPr>
+        <a:xfrm>
+          <a:off x="0" y="0"/>
+          <a:ext cx="0" cy="0"/>
+          <a:chOff x="0" y="0"/>
+          <a:chExt cx="0" cy="0"/>
+        </a:xfrm>
+      </p:grpSpPr>
+      <p:sp>
+        <p:nvSpPr>
+          <p:cNvPr id="2" name="Title 1"/>
+          <p:cNvSpPr>
+            <a:spLocks noGrp="1"/>
+          </p:cNvSpPr>
+          <p:nvPr>
+            <p:ph type="title"/>
+          </p:nvPr>
+        </p:nvSpPr>
+        <p:spPr/>
+        <p:txBody>
+          <a:bodyPr/>
+          <a:lstStyle/>
+          <a:p>
+            <a:r>
+              <a:rPr lang="en-US" dirty="0" smtClean="0"/>
+              <a:t>Performance</a:t>
+            </a:r>
+            <a:endParaRPr lang="en-US" dirty="0"/>
+          </a:p>
+        </p:txBody>
+      </p:sp>
+      <p:graphicFrame>
+        <p:nvGraphicFramePr>
+          <p:cNvPr id="4" name="Content Placeholder 3"/>
+          <p:cNvGraphicFramePr>
+            <a:graphicFrameLocks noGrp="1"/>
+          </p:cNvGraphicFramePr>
+          <p:nvPr>
+            <p:ph idx="1"/>
+            <p:extLst>
+              <p:ext uri="{D42A27DB-BD31-4B8C-83A1-F6EECF244321}">
+                <p14:modId xmlns:p14="http://schemas.microsoft.com/office/powerpoint/2010/main" val="3939199563"/>
+              </p:ext>
+            </p:extLst>
+          </p:nvPr>
+        </p:nvGraphicFramePr>
+        <p:xfrm>
+          <a:off x="677863" y="2160588"/>
+          <a:ext cx="8596311" cy="3337560"/>
+        </p:xfrm>
+        <a:graphic>
+          <a:graphicData uri="http://schemas.openxmlformats.org/drawingml/2006/table">
+            <a:tbl>
+              <a:tblPr firstRow="1" bandRow="1">
+                <a:tableStyleId>{5C22544A-7EE6-4342-B048-85BDC9FD1C3A}</a:tableStyleId>
+              </a:tblPr>
+              <a:tblGrid>
+                <a:gridCol w="2865437"/>
+                <a:gridCol w="2865437"/>
+                <a:gridCol w="2865437"/>
+              </a:tblGrid>
+              <a:tr h="370840">
+                <a:tc>
+                  <a:txBody>
+                    <a:bodyPr/>
+                    <a:lstStyle/>
+                    <a:p>
+                      <a:r>
+                        <a:rPr lang="en-US" dirty="0" smtClean="0"/>
+                        <a:t>Operation</a:t>
+                      </a:r>
+                      <a:endParaRPr lang="en-US" dirty="0"/>
+                    </a:p>
+                  </a:txBody>
+                  <a:tcPr/>
+                </a:tc>
+                <a:tc>
+                  <a:txBody>
+                    <a:bodyPr/>
+                    <a:lstStyle/>
+                    <a:p>
+                      <a:pPr algn="ctr"/>
+                      <a:r>
+                        <a:rPr lang="en-US" dirty="0" smtClean="0"/>
+                        <a:t>Rope</a:t>
+                      </a:r>
+                      <a:endParaRPr lang="en-US" dirty="0"/>
+                    </a:p>
+                  </a:txBody>
+                  <a:tcPr/>
+                </a:tc>
+                <a:tc>
+                  <a:txBody>
+                    <a:bodyPr/>
+                    <a:lstStyle/>
+                    <a:p>
+                      <a:pPr algn="ctr"/>
+                      <a:r>
+                        <a:rPr lang="en-US" dirty="0" smtClean="0"/>
+                        <a:t>String</a:t>
+                      </a:r>
+                      <a:endParaRPr lang="en-US" dirty="0"/>
+                    </a:p>
+                  </a:txBody>
+                  <a:tcPr/>
+                </a:tc>
+              </a:tr>
+              <a:tr h="370840">
+                <a:tc>
+                  <a:txBody>
+                    <a:bodyPr/>
+                    <a:lstStyle/>
+                    <a:p>
+                      <a:pPr marL="0" marR="0" indent="0" algn="l" defTabSz="457200" rtl="0" eaLnBrk="1" fontAlgn="auto" latinLnBrk="0" hangingPunct="1">
+                        <a:lnSpc>
+                          <a:spcPct val="100000"/>
+                        </a:lnSpc>
+                        <a:spcBef>
+                          <a:spcPts val="0"/>
+                        </a:spcBef>
+                        <a:spcAft>
+                          <a:spcPts val="0"/>
+                        </a:spcAft>
+                        <a:buClrTx/>
+                        <a:buSzTx/>
+                        <a:buFontTx/>
+                        <a:buNone/>
+                        <a:tabLst/>
+                        <a:defRPr/>
+                      </a:pPr>
+                      <a:r>
+                        <a:rPr lang="en-US" dirty="0" smtClean="0"/>
+                        <a:t>Build</a:t>
+                      </a:r>
+                    </a:p>
+                  </a:txBody>
+                  <a:tcPr/>
+                </a:tc>
+                <a:tc>
+                  <a:txBody>
+                    <a:bodyPr/>
+                    <a:lstStyle/>
+                    <a:p>
+                      <a:pPr algn="ctr"/>
+                      <a:r>
+                        <a:rPr lang="en-US" dirty="0" smtClean="0"/>
+                        <a:t>O(n)</a:t>
+                      </a:r>
+                      <a:endParaRPr lang="en-US" dirty="0"/>
+                    </a:p>
+                  </a:txBody>
+                  <a:tcPr/>
+                </a:tc>
+                <a:tc>
+                  <a:txBody>
+                    <a:bodyPr/>
+                    <a:lstStyle/>
+                    <a:p>
+                      <a:pPr algn="ctr"/>
+                      <a:r>
+                        <a:rPr lang="en-US" dirty="0" smtClean="0"/>
+                        <a:t>O(n)</a:t>
+                      </a:r>
+                      <a:endParaRPr lang="en-US" dirty="0"/>
+                    </a:p>
+                  </a:txBody>
+                  <a:tcPr/>
+                </a:tc>
+              </a:tr>
+              <a:tr h="370840">
+                <a:tc>
+                  <a:txBody>
+                    <a:bodyPr/>
+                    <a:lstStyle/>
+                    <a:p>
+                      <a:pPr marL="0" marR="0" indent="0" algn="l" defTabSz="457200" rtl="0" eaLnBrk="1" fontAlgn="auto" latinLnBrk="0" hangingPunct="1">
+                        <a:lnSpc>
+                          <a:spcPct val="100000"/>
+                        </a:lnSpc>
+                        <a:spcBef>
+                          <a:spcPts val="0"/>
+                        </a:spcBef>
+                        <a:spcAft>
+                          <a:spcPts val="0"/>
+                        </a:spcAft>
+                        <a:buClrTx/>
+                        <a:buSzTx/>
+                        <a:buFontTx/>
+                        <a:buNone/>
+                        <a:tabLst/>
+                        <a:defRPr/>
+                      </a:pPr>
+                      <a:r>
+                        <a:rPr lang="en-US" dirty="0" smtClean="0"/>
+                        <a:t>Iterate over e/</a:t>
+                      </a:r>
+                      <a:r>
+                        <a:rPr lang="en-US" baseline="0" dirty="0" smtClean="0"/>
+                        <a:t> </a:t>
+                      </a:r>
+                      <a:r>
+                        <a:rPr lang="en-US" dirty="0" smtClean="0"/>
+                        <a:t>character</a:t>
+                      </a:r>
+                    </a:p>
+                  </a:txBody>
+                  <a:tcPr/>
+                </a:tc>
+                <a:tc>
+                  <a:txBody>
+                    <a:bodyPr/>
+                    <a:lstStyle/>
+                    <a:p>
+                      <a:pPr algn="ctr"/>
+                      <a:r>
+                        <a:rPr lang="en-US" dirty="0" smtClean="0"/>
+                        <a:t>O(n)</a:t>
+                      </a:r>
+                      <a:endParaRPr lang="en-US" dirty="0"/>
+                    </a:p>
+                  </a:txBody>
+                  <a:tcPr/>
+                </a:tc>
+                <a:tc>
+                  <a:txBody>
+                    <a:bodyPr/>
+                    <a:lstStyle/>
+                    <a:p>
+                      <a:pPr algn="ctr"/>
+                      <a:r>
+                        <a:rPr lang="en-US" dirty="0" smtClean="0"/>
+                        <a:t>O(n)</a:t>
+                      </a:r>
+                      <a:endParaRPr lang="en-US" dirty="0"/>
+                    </a:p>
+                  </a:txBody>
+                  <a:tcPr/>
+                </a:tc>
+              </a:tr>
+              <a:tr h="370840">
+                <a:tc>
+                  <a:txBody>
+                    <a:bodyPr/>
+                    <a:lstStyle/>
+                    <a:p>
+                      <a:r>
+                        <a:rPr lang="en-US" dirty="0" smtClean="0"/>
+                        <a:t>Index</a:t>
+                      </a:r>
+                      <a:endParaRPr lang="en-US" dirty="0"/>
+                    </a:p>
+                  </a:txBody>
+                  <a:tcPr/>
+                </a:tc>
+                <a:tc>
+                  <a:txBody>
+                    <a:bodyPr/>
+                    <a:lstStyle/>
+                    <a:p>
+                      <a:pPr algn="ctr"/>
+                      <a:r>
+                        <a:rPr lang="en-US" dirty="0" smtClean="0"/>
+                        <a:t>O(log n)</a:t>
+                      </a:r>
+                      <a:endParaRPr lang="en-US" dirty="0"/>
+                    </a:p>
+                  </a:txBody>
+                  <a:tcPr/>
+                </a:tc>
+                <a:tc>
+                  <a:txBody>
+                    <a:bodyPr/>
+                    <a:lstStyle/>
+                    <a:p>
+                      <a:pPr algn="ctr"/>
+                      <a:r>
+                        <a:rPr lang="en-US" dirty="0" smtClean="0"/>
+                        <a:t>O(1)</a:t>
+                      </a:r>
+                      <a:endParaRPr lang="en-US" dirty="0"/>
+                    </a:p>
+                  </a:txBody>
+                  <a:tcPr/>
+                </a:tc>
+              </a:tr>
+              <a:tr h="370840">
+                <a:tc>
+                  <a:txBody>
+                    <a:bodyPr/>
+                    <a:lstStyle/>
+                    <a:p>
+                      <a:r>
+                        <a:rPr lang="en-US" dirty="0" smtClean="0"/>
+                        <a:t>Split</a:t>
+                      </a:r>
+                      <a:endParaRPr lang="en-US" dirty="0"/>
+                    </a:p>
+                  </a:txBody>
+                  <a:tcPr/>
+                </a:tc>
+                <a:tc>
+                  <a:txBody>
+                    <a:bodyPr/>
+                    <a:lstStyle/>
+                    <a:p>
+                      <a:pPr algn="ctr"/>
+                      <a:r>
+                        <a:rPr lang="en-US" dirty="0" smtClean="0"/>
+                        <a:t>O(log n)</a:t>
+                      </a:r>
+                      <a:endParaRPr lang="en-US" dirty="0"/>
+                    </a:p>
+                  </a:txBody>
+                  <a:tcPr/>
+                </a:tc>
+                <a:tc>
+                  <a:txBody>
+                    <a:bodyPr/>
+                    <a:lstStyle/>
+                    <a:p>
+                      <a:pPr algn="ctr"/>
+                      <a:r>
+                        <a:rPr lang="en-US" dirty="0" smtClean="0"/>
+                        <a:t>O(1)</a:t>
+                      </a:r>
+                      <a:endParaRPr lang="en-US" dirty="0"/>
+                    </a:p>
+                  </a:txBody>
+                  <a:tcPr/>
+                </a:tc>
+              </a:tr>
+              <a:tr h="370840">
+                <a:tc>
+                  <a:txBody>
+                    <a:bodyPr/>
+                    <a:lstStyle/>
+                    <a:p>
+                      <a:r>
+                        <a:rPr lang="en-US" dirty="0" smtClean="0"/>
+                        <a:t>Concatenate</a:t>
+                      </a:r>
+                      <a:endParaRPr lang="en-US" dirty="0"/>
+                    </a:p>
+                  </a:txBody>
+                  <a:tcPr/>
+                </a:tc>
+                <a:tc>
+                  <a:txBody>
+                    <a:bodyPr/>
+                    <a:lstStyle/>
+                    <a:p>
+                      <a:pPr algn="ctr"/>
+                      <a:r>
+                        <a:rPr lang="en-US" dirty="0" smtClean="0"/>
+                        <a:t>O(log n)</a:t>
+                      </a:r>
+                      <a:endParaRPr lang="en-US" dirty="0"/>
+                    </a:p>
+                  </a:txBody>
+                  <a:tcPr/>
+                </a:tc>
+                <a:tc>
+                  <a:txBody>
+                    <a:bodyPr/>
+                    <a:lstStyle/>
+                    <a:p>
+                      <a:pPr algn="ctr"/>
+                      <a:r>
+                        <a:rPr lang="en-US" dirty="0" smtClean="0"/>
+                        <a:t>O(n)</a:t>
+                      </a:r>
+                      <a:endParaRPr lang="en-US" dirty="0"/>
+                    </a:p>
+                  </a:txBody>
+                  <a:tcPr/>
+                </a:tc>
+              </a:tr>
+              <a:tr h="370840">
+                <a:tc>
+                  <a:txBody>
+                    <a:bodyPr/>
+                    <a:lstStyle/>
+                    <a:p>
+                      <a:r>
+                        <a:rPr lang="en-US" dirty="0" smtClean="0"/>
+                        <a:t>Insert</a:t>
+                      </a:r>
+                      <a:endParaRPr lang="en-US" dirty="0"/>
+                    </a:p>
+                  </a:txBody>
+                  <a:tcPr/>
+                </a:tc>
+                <a:tc>
+                  <a:txBody>
+                    <a:bodyPr/>
+                    <a:lstStyle/>
+                    <a:p>
+                      <a:pPr algn="ctr"/>
+                      <a:r>
+                        <a:rPr lang="en-US" dirty="0" smtClean="0"/>
+                        <a:t>O(log n)</a:t>
+                      </a:r>
+                      <a:endParaRPr lang="en-US" dirty="0"/>
+                    </a:p>
+                  </a:txBody>
+                  <a:tcPr/>
+                </a:tc>
+                <a:tc>
+                  <a:txBody>
+                    <a:bodyPr/>
+                    <a:lstStyle/>
+                    <a:p>
+                      <a:pPr algn="ctr"/>
+                      <a:r>
+                        <a:rPr lang="en-US" dirty="0" smtClean="0"/>
+                        <a:t>O(n)</a:t>
+                      </a:r>
+                      <a:endParaRPr lang="en-US" dirty="0"/>
+                    </a:p>
+                  </a:txBody>
+                  <a:tcPr/>
+                </a:tc>
+              </a:tr>
+              <a:tr h="370840">
+                <a:tc>
+                  <a:txBody>
+                    <a:bodyPr/>
+                    <a:lstStyle/>
+                    <a:p>
+                      <a:r>
+                        <a:rPr lang="en-US" dirty="0" smtClean="0"/>
+                        <a:t>Append</a:t>
+                      </a:r>
+                      <a:endParaRPr lang="en-US" dirty="0"/>
+                    </a:p>
+                  </a:txBody>
+                  <a:tcPr/>
+                </a:tc>
+                <a:tc>
+                  <a:txBody>
+                    <a:bodyPr/>
+                    <a:lstStyle/>
+                    <a:p>
+                      <a:pPr algn="ctr"/>
+                      <a:r>
+                        <a:rPr lang="en-US" dirty="0" smtClean="0"/>
+                        <a:t>O(log n)</a:t>
+                      </a:r>
+                      <a:endParaRPr lang="en-US" dirty="0"/>
+                    </a:p>
+                  </a:txBody>
+                  <a:tcPr/>
+                </a:tc>
+                <a:tc>
+                  <a:txBody>
+                    <a:bodyPr/>
+                    <a:lstStyle/>
+                    <a:p>
+                      <a:pPr algn="ctr"/>
+                      <a:r>
+                        <a:rPr lang="en-US" dirty="0" smtClean="0"/>
+                        <a:t>O(n)</a:t>
+                      </a:r>
+                      <a:endParaRPr lang="en-US" dirty="0"/>
+                    </a:p>
+                  </a:txBody>
+                  <a:tcPr/>
+                </a:tc>
+              </a:tr>
+              <a:tr h="370840">
+                <a:tc>
+                  <a:txBody>
+                    <a:bodyPr/>
+                    <a:lstStyle/>
+                    <a:p>
+                      <a:r>
+                        <a:rPr lang="en-US" dirty="0" smtClean="0"/>
+                        <a:t>Delete</a:t>
+                      </a:r>
+                      <a:endParaRPr lang="en-US" dirty="0"/>
+                    </a:p>
+                  </a:txBody>
+                  <a:tcPr/>
+                </a:tc>
+                <a:tc>
+                  <a:txBody>
+                    <a:bodyPr/>
+                    <a:lstStyle/>
+                    <a:p>
+                      <a:pPr algn="ctr"/>
+                      <a:r>
+                        <a:rPr lang="en-US" dirty="0" smtClean="0"/>
+                        <a:t>O(log n)</a:t>
+                      </a:r>
+                      <a:endParaRPr lang="en-US" dirty="0"/>
+                    </a:p>
+                  </a:txBody>
+                  <a:tcPr/>
+                </a:tc>
+                <a:tc>
+                  <a:txBody>
+                    <a:bodyPr/>
+                    <a:lstStyle/>
+                    <a:p>
+                      <a:pPr algn="ctr"/>
+                      <a:r>
+                        <a:rPr lang="en-US" dirty="0" smtClean="0"/>
+                        <a:t>(n)</a:t>
+                      </a:r>
+                      <a:endParaRPr lang="en-US" dirty="0"/>
+                    </a:p>
+                  </a:txBody>
+                  <a:tcPr/>
+                </a:tc>
+              </a:tr>
+            </a:tbl>
+          </a:graphicData>
+        </a:graphic>
+      </p:graphicFrame>
+    </p:spTree>
+    <p:extLst>
+      <p:ext uri="{BB962C8B-B14F-4D97-AF65-F5344CB8AC3E}">
+        <p14:creationId xmlns:p14="http://schemas.microsoft.com/office/powerpoint/2010/main" val="2960842200"/>
+      </p:ext>
+    </p:extLst>
+  </p:cSld>
+  <p:clrMapOvr>
+    <a:masterClrMapping/>
+  </p:clrMapOvr>
 </p:sld>
 </file>
 

--- a/presentation1/Exercises.pptx
+++ b/presentation1/Exercises.pptx
@@ -5,17 +5,21 @@
     <p:sldMasterId id="2147483678" r:id="rId1"/>
   </p:sldMasterIdLst>
   <p:notesMasterIdLst>
-    <p:notesMasterId r:id="rId10"/>
+    <p:notesMasterId r:id="rId11"/>
   </p:notesMasterIdLst>
+  <p:handoutMasterIdLst>
+    <p:handoutMasterId r:id="rId12"/>
+  </p:handoutMasterIdLst>
   <p:sldIdLst>
     <p:sldId id="256" r:id="rId2"/>
-    <p:sldId id="258" r:id="rId3"/>
-    <p:sldId id="259" r:id="rId4"/>
-    <p:sldId id="260" r:id="rId5"/>
-    <p:sldId id="261" r:id="rId6"/>
-    <p:sldId id="262" r:id="rId7"/>
-    <p:sldId id="263" r:id="rId8"/>
-    <p:sldId id="264" r:id="rId9"/>
+    <p:sldId id="265" r:id="rId3"/>
+    <p:sldId id="258" r:id="rId4"/>
+    <p:sldId id="259" r:id="rId5"/>
+    <p:sldId id="260" r:id="rId6"/>
+    <p:sldId id="261" r:id="rId7"/>
+    <p:sldId id="262" r:id="rId8"/>
+    <p:sldId id="263" r:id="rId9"/>
+    <p:sldId id="264" r:id="rId10"/>
   </p:sldIdLst>
   <p:sldSz cx="12192000" cy="6858000"/>
   <p:notesSz cx="6858000" cy="9144000"/>
@@ -122,6 +126,171 @@
 </p:presentation>
 </file>
 
+<file path=ppt/handoutMasters/handoutMaster1.xml><?xml version="1.0" encoding="utf-8"?>
+<p:handoutMaster xmlns:a="http://schemas.openxmlformats.org/drawingml/2006/main" xmlns:r="http://schemas.openxmlformats.org/officeDocument/2006/relationships" xmlns:p="http://schemas.openxmlformats.org/presentationml/2006/main">
+  <p:cSld>
+    <p:bg>
+      <p:bgRef idx="1001">
+        <a:schemeClr val="bg1"/>
+      </p:bgRef>
+    </p:bg>
+    <p:spTree>
+      <p:nvGrpSpPr>
+        <p:cNvPr id="1" name=""/>
+        <p:cNvGrpSpPr/>
+        <p:nvPr/>
+      </p:nvGrpSpPr>
+      <p:grpSpPr>
+        <a:xfrm>
+          <a:off x="0" y="0"/>
+          <a:ext cx="0" cy="0"/>
+          <a:chOff x="0" y="0"/>
+          <a:chExt cx="0" cy="0"/>
+        </a:xfrm>
+      </p:grpSpPr>
+      <p:sp>
+        <p:nvSpPr>
+          <p:cNvPr id="2" name="Header Placeholder 1"/>
+          <p:cNvSpPr>
+            <a:spLocks noGrp="1"/>
+          </p:cNvSpPr>
+          <p:nvPr>
+            <p:ph type="hdr" sz="quarter"/>
+          </p:nvPr>
+        </p:nvSpPr>
+        <p:spPr>
+          <a:xfrm>
+            <a:off x="0" y="0"/>
+            <a:ext cx="2971800" cy="458788"/>
+          </a:xfrm>
+          <a:prstGeom prst="rect">
+            <a:avLst/>
+          </a:prstGeom>
+        </p:spPr>
+        <p:txBody>
+          <a:bodyPr vert="horz" lIns="91440" tIns="45720" rIns="91440" bIns="45720" rtlCol="0"/>
+          <a:lstStyle>
+            <a:lvl1pPr algn="l">
+              <a:defRPr sz="1200"/>
+            </a:lvl1pPr>
+          </a:lstStyle>
+          <a:p>
+            <a:endParaRPr lang="en-US"/>
+          </a:p>
+        </p:txBody>
+      </p:sp>
+      <p:sp>
+        <p:nvSpPr>
+          <p:cNvPr id="3" name="Date Placeholder 2"/>
+          <p:cNvSpPr>
+            <a:spLocks noGrp="1"/>
+          </p:cNvSpPr>
+          <p:nvPr>
+            <p:ph type="dt" sz="quarter" idx="1"/>
+          </p:nvPr>
+        </p:nvSpPr>
+        <p:spPr>
+          <a:xfrm>
+            <a:off x="3884613" y="0"/>
+            <a:ext cx="2971800" cy="458788"/>
+          </a:xfrm>
+          <a:prstGeom prst="rect">
+            <a:avLst/>
+          </a:prstGeom>
+        </p:spPr>
+        <p:txBody>
+          <a:bodyPr vert="horz" lIns="91440" tIns="45720" rIns="91440" bIns="45720" rtlCol="0"/>
+          <a:lstStyle>
+            <a:lvl1pPr algn="r">
+              <a:defRPr sz="1200"/>
+            </a:lvl1pPr>
+          </a:lstStyle>
+          <a:p>
+            <a:fld id="{6BED733F-F041-4DE7-B29D-DFF0B3381A7D}" type="datetimeFigureOut">
+              <a:rPr lang="en-US" smtClean="0"/>
+              <a:t>2/12/2015</a:t>
+            </a:fld>
+            <a:endParaRPr lang="en-US"/>
+          </a:p>
+        </p:txBody>
+      </p:sp>
+      <p:sp>
+        <p:nvSpPr>
+          <p:cNvPr id="4" name="Footer Placeholder 3"/>
+          <p:cNvSpPr>
+            <a:spLocks noGrp="1"/>
+          </p:cNvSpPr>
+          <p:nvPr>
+            <p:ph type="ftr" sz="quarter" idx="2"/>
+          </p:nvPr>
+        </p:nvSpPr>
+        <p:spPr>
+          <a:xfrm>
+            <a:off x="0" y="8685213"/>
+            <a:ext cx="2971800" cy="458787"/>
+          </a:xfrm>
+          <a:prstGeom prst="rect">
+            <a:avLst/>
+          </a:prstGeom>
+        </p:spPr>
+        <p:txBody>
+          <a:bodyPr vert="horz" lIns="91440" tIns="45720" rIns="91440" bIns="45720" rtlCol="0" anchor="b"/>
+          <a:lstStyle>
+            <a:lvl1pPr algn="l">
+              <a:defRPr sz="1200"/>
+            </a:lvl1pPr>
+          </a:lstStyle>
+          <a:p>
+            <a:endParaRPr lang="en-US"/>
+          </a:p>
+        </p:txBody>
+      </p:sp>
+      <p:sp>
+        <p:nvSpPr>
+          <p:cNvPr id="5" name="Slide Number Placeholder 4"/>
+          <p:cNvSpPr>
+            <a:spLocks noGrp="1"/>
+          </p:cNvSpPr>
+          <p:nvPr>
+            <p:ph type="sldNum" sz="quarter" idx="3"/>
+          </p:nvPr>
+        </p:nvSpPr>
+        <p:spPr>
+          <a:xfrm>
+            <a:off x="3884613" y="8685213"/>
+            <a:ext cx="2971800" cy="458787"/>
+          </a:xfrm>
+          <a:prstGeom prst="rect">
+            <a:avLst/>
+          </a:prstGeom>
+        </p:spPr>
+        <p:txBody>
+          <a:bodyPr vert="horz" lIns="91440" tIns="45720" rIns="91440" bIns="45720" rtlCol="0" anchor="b"/>
+          <a:lstStyle>
+            <a:lvl1pPr algn="r">
+              <a:defRPr sz="1200"/>
+            </a:lvl1pPr>
+          </a:lstStyle>
+          <a:p>
+            <a:fld id="{AAD9A11C-95F9-4C85-B1D1-1EB07E169FA8}" type="slidenum">
+              <a:rPr lang="en-US" smtClean="0"/>
+              <a:t>‹#›</a:t>
+            </a:fld>
+            <a:endParaRPr lang="en-US"/>
+          </a:p>
+        </p:txBody>
+      </p:sp>
+    </p:spTree>
+    <p:extLst>
+      <p:ext uri="{BB962C8B-B14F-4D97-AF65-F5344CB8AC3E}">
+        <p14:creationId xmlns:p14="http://schemas.microsoft.com/office/powerpoint/2010/main" val="432391404"/>
+      </p:ext>
+    </p:extLst>
+  </p:cSld>
+  <p:clrMap bg1="lt1" tx1="dk1" bg2="lt2" tx2="dk2" accent1="accent1" accent2="accent2" accent3="accent3" accent4="accent4" accent5="accent5" accent6="accent6" hlink="hlink" folHlink="folHlink"/>
+</p:handoutMaster>
+</file>
+
 <file path=ppt/notesMasters/notesMaster1.xml><?xml version="1.0" encoding="utf-8"?>
 <p:notesMaster xmlns:a="http://schemas.openxmlformats.org/drawingml/2006/main" xmlns:r="http://schemas.openxmlformats.org/officeDocument/2006/relationships" xmlns:p="http://schemas.openxmlformats.org/presentationml/2006/main">
   <p:cSld>
@@ -204,7 +373,7 @@
           <a:p>
             <a:fld id="{B4BD9382-899A-48EE-A56D-B10B8C6E8317}" type="datetimeFigureOut">
               <a:rPr lang="en-US" smtClean="0"/>
-              <a:t>2/11/2015</a:t>
+              <a:t>2/12/2015</a:t>
             </a:fld>
             <a:endParaRPr lang="en-US"/>
           </a:p>
@@ -621,7 +790,7 @@
           <a:p>
             <a:fld id="{707F53B3-AD6C-44D7-B489-66BBF4EF5B97}" type="slidenum">
               <a:rPr lang="en-US" smtClean="0"/>
-              <a:t>2</a:t>
+              <a:t>3</a:t>
             </a:fld>
             <a:endParaRPr lang="en-US"/>
           </a:p>
@@ -705,7 +874,7 @@
           <a:p>
             <a:fld id="{707F53B3-AD6C-44D7-B489-66BBF4EF5B97}" type="slidenum">
               <a:rPr lang="en-US" smtClean="0"/>
-              <a:t>3</a:t>
+              <a:t>4</a:t>
             </a:fld>
             <a:endParaRPr lang="en-US"/>
           </a:p>
@@ -789,7 +958,7 @@
           <a:p>
             <a:fld id="{707F53B3-AD6C-44D7-B489-66BBF4EF5B97}" type="slidenum">
               <a:rPr lang="en-US" smtClean="0"/>
-              <a:t>4</a:t>
+              <a:t>5</a:t>
             </a:fld>
             <a:endParaRPr lang="en-US"/>
           </a:p>
@@ -873,7 +1042,7 @@
           <a:p>
             <a:fld id="{707F53B3-AD6C-44D7-B489-66BBF4EF5B97}" type="slidenum">
               <a:rPr lang="en-US" smtClean="0"/>
-              <a:t>5</a:t>
+              <a:t>6</a:t>
             </a:fld>
             <a:endParaRPr lang="en-US"/>
           </a:p>
@@ -1614,7 +1783,7 @@
           <a:p>
             <a:fld id="{206EFEAF-1218-4239-B8F8-9D00AAA8B4F6}" type="datetimeFigureOut">
               <a:rPr lang="en-US" smtClean="0"/>
-              <a:t>2/11/2015</a:t>
+              <a:t>2/12/2015</a:t>
             </a:fld>
             <a:endParaRPr lang="en-US"/>
           </a:p>
@@ -1865,7 +2034,7 @@
           <a:p>
             <a:fld id="{206EFEAF-1218-4239-B8F8-9D00AAA8B4F6}" type="datetimeFigureOut">
               <a:rPr lang="en-US" smtClean="0"/>
-              <a:t>2/11/2015</a:t>
+              <a:t>2/12/2015</a:t>
             </a:fld>
             <a:endParaRPr lang="en-US"/>
           </a:p>
@@ -2179,7 +2348,7 @@
           <a:p>
             <a:fld id="{206EFEAF-1218-4239-B8F8-9D00AAA8B4F6}" type="datetimeFigureOut">
               <a:rPr lang="en-US" smtClean="0"/>
-              <a:t>2/11/2015</a:t>
+              <a:t>2/12/2015</a:t>
             </a:fld>
             <a:endParaRPr lang="en-US"/>
           </a:p>
@@ -2520,7 +2689,7 @@
           <a:p>
             <a:fld id="{206EFEAF-1218-4239-B8F8-9D00AAA8B4F6}" type="datetimeFigureOut">
               <a:rPr lang="en-US" smtClean="0"/>
-              <a:t>2/11/2015</a:t>
+              <a:t>2/12/2015</a:t>
             </a:fld>
             <a:endParaRPr lang="en-US"/>
           </a:p>
@@ -2834,7 +3003,7 @@
           <a:p>
             <a:fld id="{206EFEAF-1218-4239-B8F8-9D00AAA8B4F6}" type="datetimeFigureOut">
               <a:rPr lang="en-US" smtClean="0"/>
-              <a:t>2/11/2015</a:t>
+              <a:t>2/12/2015</a:t>
             </a:fld>
             <a:endParaRPr lang="en-US"/>
           </a:p>
@@ -3227,7 +3396,7 @@
           <a:p>
             <a:fld id="{206EFEAF-1218-4239-B8F8-9D00AAA8B4F6}" type="datetimeFigureOut">
               <a:rPr lang="en-US" smtClean="0"/>
-              <a:t>2/11/2015</a:t>
+              <a:t>2/12/2015</a:t>
             </a:fld>
             <a:endParaRPr lang="en-US"/>
           </a:p>
@@ -3397,7 +3566,7 @@
           <a:p>
             <a:fld id="{206EFEAF-1218-4239-B8F8-9D00AAA8B4F6}" type="datetimeFigureOut">
               <a:rPr lang="en-US" smtClean="0"/>
-              <a:t>2/11/2015</a:t>
+              <a:t>2/12/2015</a:t>
             </a:fld>
             <a:endParaRPr lang="en-US"/>
           </a:p>
@@ -3577,7 +3746,7 @@
           <a:p>
             <a:fld id="{206EFEAF-1218-4239-B8F8-9D00AAA8B4F6}" type="datetimeFigureOut">
               <a:rPr lang="en-US" smtClean="0"/>
-              <a:t>2/11/2015</a:t>
+              <a:t>2/12/2015</a:t>
             </a:fld>
             <a:endParaRPr lang="en-US"/>
           </a:p>
@@ -3753,7 +3922,7 @@
           <a:p>
             <a:fld id="{206EFEAF-1218-4239-B8F8-9D00AAA8B4F6}" type="datetimeFigureOut">
               <a:rPr lang="en-US" smtClean="0"/>
-              <a:t>2/11/2015</a:t>
+              <a:t>2/12/2015</a:t>
             </a:fld>
             <a:endParaRPr lang="en-US"/>
           </a:p>
@@ -4000,7 +4169,7 @@
           <a:p>
             <a:fld id="{206EFEAF-1218-4239-B8F8-9D00AAA8B4F6}" type="datetimeFigureOut">
               <a:rPr lang="en-US" smtClean="0"/>
-              <a:t>2/11/2015</a:t>
+              <a:t>2/12/2015</a:t>
             </a:fld>
             <a:endParaRPr lang="en-US"/>
           </a:p>
@@ -4232,7 +4401,7 @@
           <a:p>
             <a:fld id="{206EFEAF-1218-4239-B8F8-9D00AAA8B4F6}" type="datetimeFigureOut">
               <a:rPr lang="en-US" smtClean="0"/>
-              <a:t>2/11/2015</a:t>
+              <a:t>2/12/2015</a:t>
             </a:fld>
             <a:endParaRPr lang="en-US"/>
           </a:p>
@@ -4606,7 +4775,7 @@
           <a:p>
             <a:fld id="{206EFEAF-1218-4239-B8F8-9D00AAA8B4F6}" type="datetimeFigureOut">
               <a:rPr lang="en-US" smtClean="0"/>
-              <a:t>2/11/2015</a:t>
+              <a:t>2/12/2015</a:t>
             </a:fld>
             <a:endParaRPr lang="en-US"/>
           </a:p>
@@ -4729,7 +4898,7 @@
           <a:p>
             <a:fld id="{206EFEAF-1218-4239-B8F8-9D00AAA8B4F6}" type="datetimeFigureOut">
               <a:rPr lang="en-US" smtClean="0"/>
-              <a:t>2/11/2015</a:t>
+              <a:t>2/12/2015</a:t>
             </a:fld>
             <a:endParaRPr lang="en-US"/>
           </a:p>
@@ -4824,7 +4993,7 @@
           <a:p>
             <a:fld id="{206EFEAF-1218-4239-B8F8-9D00AAA8B4F6}" type="datetimeFigureOut">
               <a:rPr lang="en-US" smtClean="0"/>
-              <a:t>2/11/2015</a:t>
+              <a:t>2/12/2015</a:t>
             </a:fld>
             <a:endParaRPr lang="en-US"/>
           </a:p>
@@ -5079,7 +5248,7 @@
           <a:p>
             <a:fld id="{206EFEAF-1218-4239-B8F8-9D00AAA8B4F6}" type="datetimeFigureOut">
               <a:rPr lang="en-US" smtClean="0"/>
-              <a:t>2/11/2015</a:t>
+              <a:t>2/12/2015</a:t>
             </a:fld>
             <a:endParaRPr lang="en-US"/>
           </a:p>
@@ -5342,7 +5511,7 @@
           <a:p>
             <a:fld id="{206EFEAF-1218-4239-B8F8-9D00AAA8B4F6}" type="datetimeFigureOut">
               <a:rPr lang="en-US" smtClean="0"/>
-              <a:t>2/11/2015</a:t>
+              <a:t>2/12/2015</a:t>
             </a:fld>
             <a:endParaRPr lang="en-US"/>
           </a:p>
@@ -6085,7 +6254,7 @@
           <a:p>
             <a:fld id="{206EFEAF-1218-4239-B8F8-9D00AAA8B4F6}" type="datetimeFigureOut">
               <a:rPr lang="en-US" smtClean="0"/>
-              <a:t>2/11/2015</a:t>
+              <a:t>2/12/2015</a:t>
             </a:fld>
             <a:endParaRPr lang="en-US"/>
           </a:p>
@@ -6716,7 +6885,7 @@
           <a:p>
             <a:r>
               <a:rPr lang="en-US" dirty="0" smtClean="0"/>
-              <a:t>Weight</a:t>
+              <a:t>Rope</a:t>
             </a:r>
             <a:endParaRPr lang="en-US" dirty="0"/>
           </a:p>
@@ -6729,25 +6898,147 @@
             <a:spLocks noGrp="1"/>
           </p:cNvSpPr>
           <p:nvPr>
-            <p:ph sz="half" idx="1"/>
-          </p:nvPr>
-        </p:nvSpPr>
-        <p:spPr/>
+            <p:ph idx="1"/>
+          </p:nvPr>
+        </p:nvSpPr>
+        <p:spPr>
+          <a:xfrm>
+            <a:off x="677334" y="2160589"/>
+            <a:ext cx="10910063" cy="3880773"/>
+          </a:xfrm>
+        </p:spPr>
         <p:txBody>
           <a:bodyPr/>
           <a:lstStyle/>
           <a:p>
             <a:r>
               <a:rPr lang="en-US" dirty="0" smtClean="0"/>
-              <a:t>Each node has a weight value equal to the </a:t>
-            </a:r>
+              <a:t>A rope is a data structure that is meant to store a large string.</a:t>
+            </a:r>
+          </a:p>
+          <a:p>
             <a:r>
               <a:rPr lang="en-US" dirty="0" smtClean="0"/>
-              <a:t>sum </a:t>
-            </a:r>
+              <a:t>When large string is stored in a rope, it is divided into smaller “fragment” strings.</a:t>
+            </a:r>
+          </a:p>
+          <a:p>
             <a:r>
               <a:rPr lang="en-US" dirty="0" smtClean="0"/>
-              <a:t>of all leaf nodes' weight in its left subtree.</a:t>
+              <a:t>Storing a large string in this way makes storage and manipulation</a:t>
+            </a:r>
+            <a:r>
+              <a:rPr lang="en-US" dirty="0"/>
+              <a:t> </a:t>
+            </a:r>
+            <a:r>
+              <a:rPr lang="en-US" dirty="0" smtClean="0"/>
+              <a:t>more efficient.</a:t>
+            </a:r>
+          </a:p>
+        </p:txBody>
+      </p:sp>
+      <p:pic>
+        <p:nvPicPr>
+          <p:cNvPr id="4" name="Picture 3"/>
+          <p:cNvPicPr>
+            <a:picLocks noChangeAspect="1"/>
+          </p:cNvPicPr>
+          <p:nvPr/>
+        </p:nvPicPr>
+        <p:blipFill>
+          <a:blip r:embed="rId2">
+            <a:extLst>
+              <a:ext uri="{28A0092B-C50C-407E-A947-70E740481C1C}">
+                <a14:useLocalDpi xmlns:a14="http://schemas.microsoft.com/office/drawing/2010/main" val="0"/>
+              </a:ext>
+            </a:extLst>
+          </a:blip>
+          <a:stretch>
+            <a:fillRect/>
+          </a:stretch>
+        </p:blipFill>
+        <p:spPr>
+          <a:xfrm>
+            <a:off x="1672398" y="3359802"/>
+            <a:ext cx="6606540" cy="3389630"/>
+          </a:xfrm>
+          <a:prstGeom prst="rect">
+            <a:avLst/>
+          </a:prstGeom>
+        </p:spPr>
+      </p:pic>
+    </p:spTree>
+    <p:extLst>
+      <p:ext uri="{BB962C8B-B14F-4D97-AF65-F5344CB8AC3E}">
+        <p14:creationId xmlns:p14="http://schemas.microsoft.com/office/powerpoint/2010/main" val="3677845156"/>
+      </p:ext>
+    </p:extLst>
+  </p:cSld>
+  <p:clrMapOvr>
+    <a:masterClrMapping/>
+  </p:clrMapOvr>
+</p:sld>
+</file>
+
+<file path=ppt/slides/slide3.xml><?xml version="1.0" encoding="utf-8"?>
+<p:sld xmlns:a="http://schemas.openxmlformats.org/drawingml/2006/main" xmlns:r="http://schemas.openxmlformats.org/officeDocument/2006/relationships" xmlns:p="http://schemas.openxmlformats.org/presentationml/2006/main">
+  <p:cSld>
+    <p:spTree>
+      <p:nvGrpSpPr>
+        <p:cNvPr id="1" name=""/>
+        <p:cNvGrpSpPr/>
+        <p:nvPr/>
+      </p:nvGrpSpPr>
+      <p:grpSpPr>
+        <a:xfrm>
+          <a:off x="0" y="0"/>
+          <a:ext cx="0" cy="0"/>
+          <a:chOff x="0" y="0"/>
+          <a:chExt cx="0" cy="0"/>
+        </a:xfrm>
+      </p:grpSpPr>
+      <p:sp>
+        <p:nvSpPr>
+          <p:cNvPr id="2" name="Title 1"/>
+          <p:cNvSpPr>
+            <a:spLocks noGrp="1"/>
+          </p:cNvSpPr>
+          <p:nvPr>
+            <p:ph type="title"/>
+          </p:nvPr>
+        </p:nvSpPr>
+        <p:spPr/>
+        <p:txBody>
+          <a:bodyPr/>
+          <a:lstStyle/>
+          <a:p>
+            <a:r>
+              <a:rPr lang="en-US" dirty="0" smtClean="0"/>
+              <a:t>Weight</a:t>
+            </a:r>
+            <a:endParaRPr lang="en-US" dirty="0"/>
+          </a:p>
+        </p:txBody>
+      </p:sp>
+      <p:sp>
+        <p:nvSpPr>
+          <p:cNvPr id="3" name="Content Placeholder 2"/>
+          <p:cNvSpPr>
+            <a:spLocks noGrp="1"/>
+          </p:cNvSpPr>
+          <p:nvPr>
+            <p:ph sz="half" idx="1"/>
+          </p:nvPr>
+        </p:nvSpPr>
+        <p:spPr/>
+        <p:txBody>
+          <a:bodyPr/>
+          <a:lstStyle/>
+          <a:p>
+            <a:r>
+              <a:rPr lang="en-US" dirty="0" smtClean="0"/>
+              <a:t>Each node has a weight value equal to the length of its string plus the sum of all leaf nodes' weight in its left subtree.</a:t>
             </a:r>
           </a:p>
           <a:p>
@@ -6808,7 +7099,7 @@
 </p:sld>
 </file>
 
-<file path=ppt/slides/slide3.xml><?xml version="1.0" encoding="utf-8"?>
+<file path=ppt/slides/slide4.xml><?xml version="1.0" encoding="utf-8"?>
 <p:sld xmlns:a="http://schemas.openxmlformats.org/drawingml/2006/main" xmlns:r="http://schemas.openxmlformats.org/officeDocument/2006/relationships" xmlns:p="http://schemas.openxmlformats.org/presentationml/2006/main">
   <p:cSld>
     <p:spTree>
@@ -7161,7 +7452,7 @@
       </p:sp>
       <p:pic>
         <p:nvPicPr>
-          <p:cNvPr id="6" name="Content Placeholder 5"/>
+          <p:cNvPr id="8" name="Content Placeholder 7"/>
           <p:cNvPicPr>
             <a:picLocks noGrp="1" noChangeAspect="1"/>
           </p:cNvPicPr>
@@ -7184,7 +7475,7 @@
         <p:spPr>
           <a:xfrm>
             <a:off x="4861986" y="2406160"/>
-            <a:ext cx="6088380" cy="3389630"/>
+            <a:ext cx="6606540" cy="3389630"/>
           </a:xfrm>
         </p:spPr>
       </p:pic>
@@ -7208,7 +7499,7 @@
 </p:sld>
 </file>
 
-<file path=ppt/slides/slide4.xml><?xml version="1.0" encoding="utf-8"?>
+<file path=ppt/slides/slide5.xml><?xml version="1.0" encoding="utf-8"?>
 <p:sld xmlns:a="http://schemas.openxmlformats.org/drawingml/2006/main" xmlns:r="http://schemas.openxmlformats.org/officeDocument/2006/relationships" xmlns:p="http://schemas.openxmlformats.org/presentationml/2006/main">
   <p:cSld>
     <p:spTree>
@@ -7241,12 +7532,12 @@
           <a:lstStyle/>
           <a:p>
             <a:r>
-              <a:rPr lang="en-US" dirty="0" err="1" smtClean="0"/>
-              <a:t>Concat</a:t>
-            </a:r>
-            <a:r>
               <a:rPr lang="en-US" dirty="0" smtClean="0"/>
-              <a:t> – O(log n)</a:t>
+              <a:t>Concatenate </a:t>
+            </a:r>
+            <a:r>
+              <a:rPr lang="en-US" dirty="0" smtClean="0"/>
+              <a:t>– O(log n)</a:t>
             </a:r>
             <a:endParaRPr lang="en-US" dirty="0"/>
           </a:p>
@@ -7330,16 +7621,7 @@
                 </a:solidFill>
                 <a:effectLst/>
               </a:rPr>
-              <a:t>right = </a:t>
-            </a:r>
-            <a:r>
-              <a:rPr lang="en-US" b="0" i="1" dirty="0" smtClean="0">
-                <a:solidFill>
-                  <a:srgbClr val="252525"/>
-                </a:solidFill>
-                <a:effectLst/>
-              </a:rPr>
-              <a:t>S</a:t>
+              <a:t>right = S</a:t>
             </a:r>
             <a:r>
               <a:rPr lang="en-US" b="0" i="1" baseline="-25000" dirty="0" smtClean="0">
@@ -7388,7 +7670,7 @@
       </p:sp>
       <p:pic>
         <p:nvPicPr>
-          <p:cNvPr id="5" name="Content Placeholder 4"/>
+          <p:cNvPr id="6" name="Content Placeholder 5"/>
           <p:cNvPicPr>
             <a:picLocks noGrp="1" noChangeAspect="1"/>
           </p:cNvPicPr>
@@ -7428,7 +7710,7 @@
 </p:sld>
 </file>
 
-<file path=ppt/slides/slide5.xml><?xml version="1.0" encoding="utf-8"?>
+<file path=ppt/slides/slide6.xml><?xml version="1.0" encoding="utf-8"?>
 <p:sld xmlns:a="http://schemas.openxmlformats.org/drawingml/2006/main" xmlns:r="http://schemas.openxmlformats.org/officeDocument/2006/relationships" xmlns:p="http://schemas.openxmlformats.org/presentationml/2006/main">
   <p:cSld>
     <p:spTree>
@@ -7545,7 +7827,7 @@
           <a:p>
             <a:r>
               <a:rPr lang="en-US" b="1" dirty="0" smtClean="0"/>
-              <a:t>YOU: Perform split(14)</a:t>
+              <a:t>YOU: Perform split(15)</a:t>
             </a:r>
           </a:p>
           <a:p>
@@ -7567,7 +7849,7 @@
       </p:sp>
       <p:pic>
         <p:nvPicPr>
-          <p:cNvPr id="8" name="Content Placeholder 7"/>
+          <p:cNvPr id="5" name="Content Placeholder 4"/>
           <p:cNvPicPr>
             <a:picLocks noGrp="1" noChangeAspect="1"/>
           </p:cNvPicPr>
@@ -7590,7 +7872,7 @@
         <p:spPr>
           <a:xfrm>
             <a:off x="4861369" y="2406160"/>
-            <a:ext cx="6606540" cy="3389630"/>
+            <a:ext cx="6930390" cy="3389630"/>
           </a:xfrm>
         </p:spPr>
       </p:pic>
@@ -7614,7 +7896,7 @@
 </p:sld>
 </file>
 
-<file path=ppt/slides/slide6.xml><?xml version="1.0" encoding="utf-8"?>
+<file path=ppt/slides/slide7.xml><?xml version="1.0" encoding="utf-8"?>
 <p:sld xmlns:a="http://schemas.openxmlformats.org/drawingml/2006/main" xmlns:r="http://schemas.openxmlformats.org/officeDocument/2006/relationships" xmlns:p="http://schemas.openxmlformats.org/presentationml/2006/main">
   <p:cSld>
     <p:spTree>
@@ -7736,15 +8018,11 @@
           <a:p>
             <a:r>
               <a:rPr lang="en-US" b="1" dirty="0" smtClean="0"/>
-              <a:t>YOU: Insert(24, “</a:t>
-            </a:r>
-            <a:r>
-              <a:rPr lang="en-US" b="1" dirty="0" err="1" smtClean="0"/>
-              <a:t>big_full</a:t>
+              <a:t>YOU: </a:t>
             </a:r>
             <a:r>
               <a:rPr lang="en-US" b="1" dirty="0" smtClean="0"/>
-              <a:t>_”)</a:t>
+              <a:t>Insert(9, “,_jump,”)</a:t>
             </a:r>
             <a:endParaRPr lang="en-US" b="1" dirty="0"/>
           </a:p>
@@ -7752,7 +8030,7 @@
       </p:sp>
       <p:pic>
         <p:nvPicPr>
-          <p:cNvPr id="5" name="Content Placeholder 4"/>
+          <p:cNvPr id="6" name="Content Placeholder 5"/>
           <p:cNvPicPr>
             <a:picLocks noGrp="1" noChangeAspect="1"/>
           </p:cNvPicPr>
@@ -7774,8 +8052,8 @@
         </p:blipFill>
         <p:spPr>
           <a:xfrm>
-            <a:off x="4861369" y="1650510"/>
-            <a:ext cx="6606540" cy="4900930"/>
+            <a:off x="4861369" y="1974360"/>
+            <a:ext cx="6606540" cy="4253230"/>
           </a:xfrm>
         </p:spPr>
       </p:pic>
@@ -7792,7 +8070,7 @@
 </p:sld>
 </file>
 
-<file path=ppt/slides/slide7.xml><?xml version="1.0" encoding="utf-8"?>
+<file path=ppt/slides/slide8.xml><?xml version="1.0" encoding="utf-8"?>
 <p:sld xmlns:a="http://schemas.openxmlformats.org/drawingml/2006/main" xmlns:r="http://schemas.openxmlformats.org/officeDocument/2006/relationships" xmlns:p="http://schemas.openxmlformats.org/presentationml/2006/main">
   <p:cSld>
     <p:spTree>
@@ -7951,7 +8229,7 @@
 </p:sld>
 </file>
 
-<file path=ppt/slides/slide8.xml><?xml version="1.0" encoding="utf-8"?>
+<file path=ppt/slides/slide9.xml><?xml version="1.0" encoding="utf-8"?>
 <p:sld xmlns:a="http://schemas.openxmlformats.org/drawingml/2006/main" xmlns:r="http://schemas.openxmlformats.org/officeDocument/2006/relationships" xmlns:p="http://schemas.openxmlformats.org/presentationml/2006/main">
   <p:cSld>
     <p:spTree>
@@ -8001,14 +8279,14 @@
             <p:ph idx="1"/>
             <p:extLst>
               <p:ext uri="{D42A27DB-BD31-4B8C-83A1-F6EECF244321}">
-                <p14:modId xmlns:p14="http://schemas.microsoft.com/office/powerpoint/2010/main" val="3939199563"/>
+                <p14:modId xmlns:p14="http://schemas.microsoft.com/office/powerpoint/2010/main" val="2976301077"/>
               </p:ext>
             </p:extLst>
           </p:nvPr>
         </p:nvGraphicFramePr>
         <p:xfrm>
           <a:off x="677863" y="2160588"/>
-          <a:ext cx="8596311" cy="3337560"/>
+          <a:ext cx="8596311" cy="2966720"/>
         </p:xfrm>
         <a:graphic>
           <a:graphicData uri="http://schemas.openxmlformats.org/drawingml/2006/table">
@@ -8253,6 +8531,52 @@
                     <a:p>
                       <a:r>
                         <a:rPr lang="en-US" dirty="0" smtClean="0"/>
+                        <a:t>Concatenate</a:t>
+                      </a:r>
+                      <a:endParaRPr lang="en-US" dirty="0"/>
+                    </a:p>
+                  </a:txBody>
+                  <a:tcPr/>
+                </a:tc>
+                <a:tc>
+                  <a:txBody>
+                    <a:bodyPr/>
+                    <a:lstStyle/>
+                    <a:p>
+                      <a:pPr algn="ctr"/>
+                      <a:r>
+                        <a:rPr lang="en-US" dirty="0" smtClean="0"/>
+                        <a:t>O(log n)</a:t>
+                      </a:r>
+                      <a:endParaRPr lang="en-US" dirty="0"/>
+                    </a:p>
+                  </a:txBody>
+                  <a:tcPr/>
+                </a:tc>
+                <a:tc>
+                  <a:txBody>
+                    <a:bodyPr/>
+                    <a:lstStyle/>
+                    <a:p>
+                      <a:pPr algn="ctr"/>
+                      <a:r>
+                        <a:rPr lang="en-US" dirty="0" smtClean="0"/>
+                        <a:t>O(n)</a:t>
+                      </a:r>
+                      <a:endParaRPr lang="en-US" dirty="0"/>
+                    </a:p>
+                  </a:txBody>
+                  <a:tcPr/>
+                </a:tc>
+              </a:tr>
+              <a:tr h="370840">
+                <a:tc>
+                  <a:txBody>
+                    <a:bodyPr/>
+                    <a:lstStyle/>
+                    <a:p>
+                      <a:r>
+                        <a:rPr lang="en-US" dirty="0" smtClean="0"/>
                         <a:t>Split</a:t>
                       </a:r>
                       <a:endParaRPr lang="en-US" dirty="0"/>
@@ -8299,99 +8623,7 @@
                     <a:p>
                       <a:r>
                         <a:rPr lang="en-US" dirty="0" smtClean="0"/>
-                        <a:t>Concatenate</a:t>
-                      </a:r>
-                      <a:endParaRPr lang="en-US" dirty="0"/>
-                    </a:p>
-                  </a:txBody>
-                  <a:tcPr/>
-                </a:tc>
-                <a:tc>
-                  <a:txBody>
-                    <a:bodyPr/>
-                    <a:lstStyle/>
-                    <a:p>
-                      <a:pPr algn="ctr"/>
-                      <a:r>
-                        <a:rPr lang="en-US" dirty="0" smtClean="0"/>
-                        <a:t>O(log n)</a:t>
-                      </a:r>
-                      <a:endParaRPr lang="en-US" dirty="0"/>
-                    </a:p>
-                  </a:txBody>
-                  <a:tcPr/>
-                </a:tc>
-                <a:tc>
-                  <a:txBody>
-                    <a:bodyPr/>
-                    <a:lstStyle/>
-                    <a:p>
-                      <a:pPr algn="ctr"/>
-                      <a:r>
-                        <a:rPr lang="en-US" dirty="0" smtClean="0"/>
-                        <a:t>O(n)</a:t>
-                      </a:r>
-                      <a:endParaRPr lang="en-US" dirty="0"/>
-                    </a:p>
-                  </a:txBody>
-                  <a:tcPr/>
-                </a:tc>
-              </a:tr>
-              <a:tr h="370840">
-                <a:tc>
-                  <a:txBody>
-                    <a:bodyPr/>
-                    <a:lstStyle/>
-                    <a:p>
-                      <a:r>
-                        <a:rPr lang="en-US" dirty="0" smtClean="0"/>
                         <a:t>Insert</a:t>
-                      </a:r>
-                      <a:endParaRPr lang="en-US" dirty="0"/>
-                    </a:p>
-                  </a:txBody>
-                  <a:tcPr/>
-                </a:tc>
-                <a:tc>
-                  <a:txBody>
-                    <a:bodyPr/>
-                    <a:lstStyle/>
-                    <a:p>
-                      <a:pPr algn="ctr"/>
-                      <a:r>
-                        <a:rPr lang="en-US" dirty="0" smtClean="0"/>
-                        <a:t>O(log n)</a:t>
-                      </a:r>
-                      <a:endParaRPr lang="en-US" dirty="0"/>
-                    </a:p>
-                  </a:txBody>
-                  <a:tcPr/>
-                </a:tc>
-                <a:tc>
-                  <a:txBody>
-                    <a:bodyPr/>
-                    <a:lstStyle/>
-                    <a:p>
-                      <a:pPr algn="ctr"/>
-                      <a:r>
-                        <a:rPr lang="en-US" dirty="0" smtClean="0"/>
-                        <a:t>O(n)</a:t>
-                      </a:r>
-                      <a:endParaRPr lang="en-US" dirty="0"/>
-                    </a:p>
-                  </a:txBody>
-                  <a:tcPr/>
-                </a:tc>
-              </a:tr>
-              <a:tr h="370840">
-                <a:tc>
-                  <a:txBody>
-                    <a:bodyPr/>
-                    <a:lstStyle/>
-                    <a:p>
-                      <a:r>
-                        <a:rPr lang="en-US" dirty="0" smtClean="0"/>
-                        <a:t>Append</a:t>
                       </a:r>
                       <a:endParaRPr lang="en-US" dirty="0"/>
                     </a:p>
@@ -9008,4 +9240,265 @@
     </a:ext>
   </a:extLst>
 </a:theme>
+</file>
+
+<file path=ppt/theme/theme3.xml><?xml version="1.0" encoding="utf-8"?>
+<a:theme xmlns:a="http://schemas.openxmlformats.org/drawingml/2006/main" name="Office Theme">
+  <a:themeElements>
+    <a:clrScheme name="Office">
+      <a:dk1>
+        <a:sysClr val="windowText" lastClr="000000"/>
+      </a:dk1>
+      <a:lt1>
+        <a:sysClr val="window" lastClr="FFFFFF"/>
+      </a:lt1>
+      <a:dk2>
+        <a:srgbClr val="44546A"/>
+      </a:dk2>
+      <a:lt2>
+        <a:srgbClr val="E7E6E6"/>
+      </a:lt2>
+      <a:accent1>
+        <a:srgbClr val="5B9BD5"/>
+      </a:accent1>
+      <a:accent2>
+        <a:srgbClr val="ED7D31"/>
+      </a:accent2>
+      <a:accent3>
+        <a:srgbClr val="A5A5A5"/>
+      </a:accent3>
+      <a:accent4>
+        <a:srgbClr val="FFC000"/>
+      </a:accent4>
+      <a:accent5>
+        <a:srgbClr val="4472C4"/>
+      </a:accent5>
+      <a:accent6>
+        <a:srgbClr val="70AD47"/>
+      </a:accent6>
+      <a:hlink>
+        <a:srgbClr val="0563C1"/>
+      </a:hlink>
+      <a:folHlink>
+        <a:srgbClr val="954F72"/>
+      </a:folHlink>
+    </a:clrScheme>
+    <a:fontScheme name="Office">
+      <a:majorFont>
+        <a:latin typeface="Calibri Light" panose="020F0302020204030204"/>
+        <a:ea typeface=""/>
+        <a:cs typeface=""/>
+        <a:font script="Jpan" typeface="ＭＳ Ｐゴシック"/>
+        <a:font script="Hang" typeface="맑은 고딕"/>
+        <a:font script="Hans" typeface="宋体"/>
+        <a:font script="Hant" typeface="新細明體"/>
+        <a:font script="Arab" typeface="Times New Roman"/>
+        <a:font script="Hebr" typeface="Times New Roman"/>
+        <a:font script="Thai" typeface="Angsana New"/>
+        <a:font script="Ethi" typeface="Nyala"/>
+        <a:font script="Beng" typeface="Vrinda"/>
+        <a:font script="Gujr" typeface="Shruti"/>
+        <a:font script="Khmr" typeface="MoolBoran"/>
+        <a:font script="Knda" typeface="Tunga"/>
+        <a:font script="Guru" typeface="Raavi"/>
+        <a:font script="Cans" typeface="Euphemia"/>
+        <a:font script="Cher" typeface="Plantagenet Cherokee"/>
+        <a:font script="Yiii" typeface="Microsoft Yi Baiti"/>
+        <a:font script="Tibt" typeface="Microsoft Himalaya"/>
+        <a:font script="Thaa" typeface="MV Boli"/>
+        <a:font script="Deva" typeface="Mangal"/>
+        <a:font script="Telu" typeface="Gautami"/>
+        <a:font script="Taml" typeface="Latha"/>
+        <a:font script="Syrc" typeface="Estrangelo Edessa"/>
+        <a:font script="Orya" typeface="Kalinga"/>
+        <a:font script="Mlym" typeface="Kartika"/>
+        <a:font script="Laoo" typeface="DokChampa"/>
+        <a:font script="Sinh" typeface="Iskoola Pota"/>
+        <a:font script="Mong" typeface="Mongolian Baiti"/>
+        <a:font script="Viet" typeface="Times New Roman"/>
+        <a:font script="Uigh" typeface="Microsoft Uighur"/>
+        <a:font script="Geor" typeface="Sylfaen"/>
+      </a:majorFont>
+      <a:minorFont>
+        <a:latin typeface="Calibri" panose="020F0502020204030204"/>
+        <a:ea typeface=""/>
+        <a:cs typeface=""/>
+        <a:font script="Jpan" typeface="ＭＳ Ｐゴシック"/>
+        <a:font script="Hang" typeface="맑은 고딕"/>
+        <a:font script="Hans" typeface="宋体"/>
+        <a:font script="Hant" typeface="新細明體"/>
+        <a:font script="Arab" typeface="Arial"/>
+        <a:font script="Hebr" typeface="Arial"/>
+        <a:font script="Thai" typeface="Cordia New"/>
+        <a:font script="Ethi" typeface="Nyala"/>
+        <a:font script="Beng" typeface="Vrinda"/>
+        <a:font script="Gujr" typeface="Shruti"/>
+        <a:font script="Khmr" typeface="DaunPenh"/>
+        <a:font script="Knda" typeface="Tunga"/>
+        <a:font script="Guru" typeface="Raavi"/>
+        <a:font script="Cans" typeface="Euphemia"/>
+        <a:font script="Cher" typeface="Plantagenet Cherokee"/>
+        <a:font script="Yiii" typeface="Microsoft Yi Baiti"/>
+        <a:font script="Tibt" typeface="Microsoft Himalaya"/>
+        <a:font script="Thaa" typeface="MV Boli"/>
+        <a:font script="Deva" typeface="Mangal"/>
+        <a:font script="Telu" typeface="Gautami"/>
+        <a:font script="Taml" typeface="Latha"/>
+        <a:font script="Syrc" typeface="Estrangelo Edessa"/>
+        <a:font script="Orya" typeface="Kalinga"/>
+        <a:font script="Mlym" typeface="Kartika"/>
+        <a:font script="Laoo" typeface="DokChampa"/>
+        <a:font script="Sinh" typeface="Iskoola Pota"/>
+        <a:font script="Mong" typeface="Mongolian Baiti"/>
+        <a:font script="Viet" typeface="Arial"/>
+        <a:font script="Uigh" typeface="Microsoft Uighur"/>
+        <a:font script="Geor" typeface="Sylfaen"/>
+      </a:minorFont>
+    </a:fontScheme>
+    <a:fmtScheme name="Office">
+      <a:fillStyleLst>
+        <a:solidFill>
+          <a:schemeClr val="phClr"/>
+        </a:solidFill>
+        <a:gradFill rotWithShape="1">
+          <a:gsLst>
+            <a:gs pos="0">
+              <a:schemeClr val="phClr">
+                <a:lumMod val="110000"/>
+                <a:satMod val="105000"/>
+                <a:tint val="67000"/>
+              </a:schemeClr>
+            </a:gs>
+            <a:gs pos="50000">
+              <a:schemeClr val="phClr">
+                <a:lumMod val="105000"/>
+                <a:satMod val="103000"/>
+                <a:tint val="73000"/>
+              </a:schemeClr>
+            </a:gs>
+            <a:gs pos="100000">
+              <a:schemeClr val="phClr">
+                <a:lumMod val="105000"/>
+                <a:satMod val="109000"/>
+                <a:tint val="81000"/>
+              </a:schemeClr>
+            </a:gs>
+          </a:gsLst>
+          <a:lin ang="5400000" scaled="0"/>
+        </a:gradFill>
+        <a:gradFill rotWithShape="1">
+          <a:gsLst>
+            <a:gs pos="0">
+              <a:schemeClr val="phClr">
+                <a:satMod val="103000"/>
+                <a:lumMod val="102000"/>
+                <a:tint val="94000"/>
+              </a:schemeClr>
+            </a:gs>
+            <a:gs pos="50000">
+              <a:schemeClr val="phClr">
+                <a:satMod val="110000"/>
+                <a:lumMod val="100000"/>
+                <a:shade val="100000"/>
+              </a:schemeClr>
+            </a:gs>
+            <a:gs pos="100000">
+              <a:schemeClr val="phClr">
+                <a:lumMod val="99000"/>
+                <a:satMod val="120000"/>
+                <a:shade val="78000"/>
+              </a:schemeClr>
+            </a:gs>
+          </a:gsLst>
+          <a:lin ang="5400000" scaled="0"/>
+        </a:gradFill>
+      </a:fillStyleLst>
+      <a:lnStyleLst>
+        <a:ln w="6350" cap="flat" cmpd="sng" algn="ctr">
+          <a:solidFill>
+            <a:schemeClr val="phClr"/>
+          </a:solidFill>
+          <a:prstDash val="solid"/>
+          <a:miter lim="800000"/>
+        </a:ln>
+        <a:ln w="12700" cap="flat" cmpd="sng" algn="ctr">
+          <a:solidFill>
+            <a:schemeClr val="phClr"/>
+          </a:solidFill>
+          <a:prstDash val="solid"/>
+          <a:miter lim="800000"/>
+        </a:ln>
+        <a:ln w="19050" cap="flat" cmpd="sng" algn="ctr">
+          <a:solidFill>
+            <a:schemeClr val="phClr"/>
+          </a:solidFill>
+          <a:prstDash val="solid"/>
+          <a:miter lim="800000"/>
+        </a:ln>
+      </a:lnStyleLst>
+      <a:effectStyleLst>
+        <a:effectStyle>
+          <a:effectLst/>
+        </a:effectStyle>
+        <a:effectStyle>
+          <a:effectLst/>
+        </a:effectStyle>
+        <a:effectStyle>
+          <a:effectLst>
+            <a:outerShdw blurRad="57150" dist="19050" dir="5400000" algn="ctr" rotWithShape="0">
+              <a:srgbClr val="000000">
+                <a:alpha val="63000"/>
+              </a:srgbClr>
+            </a:outerShdw>
+          </a:effectLst>
+        </a:effectStyle>
+      </a:effectStyleLst>
+      <a:bgFillStyleLst>
+        <a:solidFill>
+          <a:schemeClr val="phClr"/>
+        </a:solidFill>
+        <a:solidFill>
+          <a:schemeClr val="phClr">
+            <a:tint val="95000"/>
+            <a:satMod val="170000"/>
+          </a:schemeClr>
+        </a:solidFill>
+        <a:gradFill rotWithShape="1">
+          <a:gsLst>
+            <a:gs pos="0">
+              <a:schemeClr val="phClr">
+                <a:tint val="93000"/>
+                <a:satMod val="150000"/>
+                <a:shade val="98000"/>
+                <a:lumMod val="102000"/>
+              </a:schemeClr>
+            </a:gs>
+            <a:gs pos="50000">
+              <a:schemeClr val="phClr">
+                <a:tint val="98000"/>
+                <a:satMod val="130000"/>
+                <a:shade val="90000"/>
+                <a:lumMod val="103000"/>
+              </a:schemeClr>
+            </a:gs>
+            <a:gs pos="100000">
+              <a:schemeClr val="phClr">
+                <a:shade val="63000"/>
+                <a:satMod val="120000"/>
+              </a:schemeClr>
+            </a:gs>
+          </a:gsLst>
+          <a:lin ang="5400000" scaled="0"/>
+        </a:gradFill>
+      </a:bgFillStyleLst>
+    </a:fmtScheme>
+  </a:themeElements>
+  <a:objectDefaults/>
+  <a:extraClrSchemeLst/>
+  <a:extLst>
+    <a:ext uri="{05A4C25C-085E-4340-85A3-A5531E510DB2}">
+      <thm15:themeFamily xmlns:thm15="http://schemas.microsoft.com/office/thememl/2012/main" name="Office Theme" id="{62F939B6-93AF-4DB8-9C6B-D6C7DFDC589F}" vid="{4A3C46E8-61CC-4603-A589-7422A47A8E4A}"/>
+    </a:ext>
+  </a:extLst>
+</a:theme>
 </file>
--- a/presentation1/Exercises.pptx
+++ b/presentation1/Exercises.pptx
@@ -790,7 +790,7 @@
           <a:p>
             <a:fld id="{707F53B3-AD6C-44D7-B489-66BBF4EF5B97}" type="slidenum">
               <a:rPr lang="en-US" smtClean="0"/>
-              <a:t>3</a:t>
+              <a:t>2</a:t>
             </a:fld>
             <a:endParaRPr lang="en-US"/>
           </a:p>
@@ -799,7 +799,7 @@
     </p:spTree>
     <p:extLst>
       <p:ext uri="{BB962C8B-B14F-4D97-AF65-F5344CB8AC3E}">
-        <p14:creationId xmlns:p14="http://schemas.microsoft.com/office/powerpoint/2010/main" val="1968081251"/>
+        <p14:creationId xmlns:p14="http://schemas.microsoft.com/office/powerpoint/2010/main" val="3341262689"/>
       </p:ext>
     </p:extLst>
   </p:cSld>
@@ -874,7 +874,7 @@
           <a:p>
             <a:fld id="{707F53B3-AD6C-44D7-B489-66BBF4EF5B97}" type="slidenum">
               <a:rPr lang="en-US" smtClean="0"/>
-              <a:t>4</a:t>
+              <a:t>3</a:t>
             </a:fld>
             <a:endParaRPr lang="en-US"/>
           </a:p>
@@ -883,7 +883,7 @@
     </p:spTree>
     <p:extLst>
       <p:ext uri="{BB962C8B-B14F-4D97-AF65-F5344CB8AC3E}">
-        <p14:creationId xmlns:p14="http://schemas.microsoft.com/office/powerpoint/2010/main" val="2929243973"/>
+        <p14:creationId xmlns:p14="http://schemas.microsoft.com/office/powerpoint/2010/main" val="1968081251"/>
       </p:ext>
     </p:extLst>
   </p:cSld>
@@ -958,7 +958,7 @@
           <a:p>
             <a:fld id="{707F53B3-AD6C-44D7-B489-66BBF4EF5B97}" type="slidenum">
               <a:rPr lang="en-US" smtClean="0"/>
-              <a:t>5</a:t>
+              <a:t>4</a:t>
             </a:fld>
             <a:endParaRPr lang="en-US"/>
           </a:p>
@@ -967,7 +967,7 @@
     </p:spTree>
     <p:extLst>
       <p:ext uri="{BB962C8B-B14F-4D97-AF65-F5344CB8AC3E}">
-        <p14:creationId xmlns:p14="http://schemas.microsoft.com/office/powerpoint/2010/main" val="936343799"/>
+        <p14:creationId xmlns:p14="http://schemas.microsoft.com/office/powerpoint/2010/main" val="2929243973"/>
       </p:ext>
     </p:extLst>
   </p:cSld>
@@ -1042,6 +1042,90 @@
           <a:p>
             <a:fld id="{707F53B3-AD6C-44D7-B489-66BBF4EF5B97}" type="slidenum">
               <a:rPr lang="en-US" smtClean="0"/>
+              <a:t>5</a:t>
+            </a:fld>
+            <a:endParaRPr lang="en-US"/>
+          </a:p>
+        </p:txBody>
+      </p:sp>
+    </p:spTree>
+    <p:extLst>
+      <p:ext uri="{BB962C8B-B14F-4D97-AF65-F5344CB8AC3E}">
+        <p14:creationId xmlns:p14="http://schemas.microsoft.com/office/powerpoint/2010/main" val="936343799"/>
+      </p:ext>
+    </p:extLst>
+  </p:cSld>
+  <p:clrMapOvr>
+    <a:masterClrMapping/>
+  </p:clrMapOvr>
+</p:notes>
+</file>
+
+<file path=ppt/notesSlides/notesSlide6.xml><?xml version="1.0" encoding="utf-8"?>
+<p:notes xmlns:a="http://schemas.openxmlformats.org/drawingml/2006/main" xmlns:r="http://schemas.openxmlformats.org/officeDocument/2006/relationships" xmlns:p="http://schemas.openxmlformats.org/presentationml/2006/main">
+  <p:cSld>
+    <p:spTree>
+      <p:nvGrpSpPr>
+        <p:cNvPr id="1" name=""/>
+        <p:cNvGrpSpPr/>
+        <p:nvPr/>
+      </p:nvGrpSpPr>
+      <p:grpSpPr>
+        <a:xfrm>
+          <a:off x="0" y="0"/>
+          <a:ext cx="0" cy="0"/>
+          <a:chOff x="0" y="0"/>
+          <a:chExt cx="0" cy="0"/>
+        </a:xfrm>
+      </p:grpSpPr>
+      <p:sp>
+        <p:nvSpPr>
+          <p:cNvPr id="2" name="Slide Image Placeholder 1"/>
+          <p:cNvSpPr>
+            <a:spLocks noGrp="1" noRot="1" noChangeAspect="1"/>
+          </p:cNvSpPr>
+          <p:nvPr>
+            <p:ph type="sldImg"/>
+          </p:nvPr>
+        </p:nvSpPr>
+        <p:spPr/>
+      </p:sp>
+      <p:sp>
+        <p:nvSpPr>
+          <p:cNvPr id="3" name="Notes Placeholder 2"/>
+          <p:cNvSpPr>
+            <a:spLocks noGrp="1"/>
+          </p:cNvSpPr>
+          <p:nvPr>
+            <p:ph type="body" idx="1"/>
+          </p:nvPr>
+        </p:nvSpPr>
+        <p:spPr/>
+        <p:txBody>
+          <a:bodyPr/>
+          <a:lstStyle/>
+          <a:p>
+            <a:endParaRPr lang="en-US"/>
+          </a:p>
+        </p:txBody>
+      </p:sp>
+      <p:sp>
+        <p:nvSpPr>
+          <p:cNvPr id="4" name="Slide Number Placeholder 3"/>
+          <p:cNvSpPr>
+            <a:spLocks noGrp="1"/>
+          </p:cNvSpPr>
+          <p:nvPr>
+            <p:ph type="sldNum" sz="quarter" idx="10"/>
+          </p:nvPr>
+        </p:nvSpPr>
+        <p:spPr/>
+        <p:txBody>
+          <a:bodyPr/>
+          <a:lstStyle/>
+          <a:p>
+            <a:fld id="{707F53B3-AD6C-44D7-B489-66BBF4EF5B97}" type="slidenum">
+              <a:rPr lang="en-US" smtClean="0"/>
               <a:t>6</a:t>
             </a:fld>
             <a:endParaRPr lang="en-US"/>
@@ -1052,6 +1136,258 @@
     <p:extLst>
       <p:ext uri="{BB962C8B-B14F-4D97-AF65-F5344CB8AC3E}">
         <p14:creationId xmlns:p14="http://schemas.microsoft.com/office/powerpoint/2010/main" val="422218493"/>
+      </p:ext>
+    </p:extLst>
+  </p:cSld>
+  <p:clrMapOvr>
+    <a:masterClrMapping/>
+  </p:clrMapOvr>
+</p:notes>
+</file>
+
+<file path=ppt/notesSlides/notesSlide7.xml><?xml version="1.0" encoding="utf-8"?>
+<p:notes xmlns:a="http://schemas.openxmlformats.org/drawingml/2006/main" xmlns:r="http://schemas.openxmlformats.org/officeDocument/2006/relationships" xmlns:p="http://schemas.openxmlformats.org/presentationml/2006/main">
+  <p:cSld>
+    <p:spTree>
+      <p:nvGrpSpPr>
+        <p:cNvPr id="1" name=""/>
+        <p:cNvGrpSpPr/>
+        <p:nvPr/>
+      </p:nvGrpSpPr>
+      <p:grpSpPr>
+        <a:xfrm>
+          <a:off x="0" y="0"/>
+          <a:ext cx="0" cy="0"/>
+          <a:chOff x="0" y="0"/>
+          <a:chExt cx="0" cy="0"/>
+        </a:xfrm>
+      </p:grpSpPr>
+      <p:sp>
+        <p:nvSpPr>
+          <p:cNvPr id="2" name="Slide Image Placeholder 1"/>
+          <p:cNvSpPr>
+            <a:spLocks noGrp="1" noRot="1" noChangeAspect="1"/>
+          </p:cNvSpPr>
+          <p:nvPr>
+            <p:ph type="sldImg"/>
+          </p:nvPr>
+        </p:nvSpPr>
+        <p:spPr/>
+      </p:sp>
+      <p:sp>
+        <p:nvSpPr>
+          <p:cNvPr id="3" name="Notes Placeholder 2"/>
+          <p:cNvSpPr>
+            <a:spLocks noGrp="1"/>
+          </p:cNvSpPr>
+          <p:nvPr>
+            <p:ph type="body" idx="1"/>
+          </p:nvPr>
+        </p:nvSpPr>
+        <p:spPr/>
+        <p:txBody>
+          <a:bodyPr/>
+          <a:lstStyle/>
+          <a:p>
+            <a:endParaRPr lang="en-US"/>
+          </a:p>
+        </p:txBody>
+      </p:sp>
+      <p:sp>
+        <p:nvSpPr>
+          <p:cNvPr id="4" name="Slide Number Placeholder 3"/>
+          <p:cNvSpPr>
+            <a:spLocks noGrp="1"/>
+          </p:cNvSpPr>
+          <p:nvPr>
+            <p:ph type="sldNum" sz="quarter" idx="10"/>
+          </p:nvPr>
+        </p:nvSpPr>
+        <p:spPr/>
+        <p:txBody>
+          <a:bodyPr/>
+          <a:lstStyle/>
+          <a:p>
+            <a:fld id="{707F53B3-AD6C-44D7-B489-66BBF4EF5B97}" type="slidenum">
+              <a:rPr lang="en-US" smtClean="0"/>
+              <a:t>7</a:t>
+            </a:fld>
+            <a:endParaRPr lang="en-US"/>
+          </a:p>
+        </p:txBody>
+      </p:sp>
+    </p:spTree>
+    <p:extLst>
+      <p:ext uri="{BB962C8B-B14F-4D97-AF65-F5344CB8AC3E}">
+        <p14:creationId xmlns:p14="http://schemas.microsoft.com/office/powerpoint/2010/main" val="3230151287"/>
+      </p:ext>
+    </p:extLst>
+  </p:cSld>
+  <p:clrMapOvr>
+    <a:masterClrMapping/>
+  </p:clrMapOvr>
+</p:notes>
+</file>
+
+<file path=ppt/notesSlides/notesSlide8.xml><?xml version="1.0" encoding="utf-8"?>
+<p:notes xmlns:a="http://schemas.openxmlformats.org/drawingml/2006/main" xmlns:r="http://schemas.openxmlformats.org/officeDocument/2006/relationships" xmlns:p="http://schemas.openxmlformats.org/presentationml/2006/main">
+  <p:cSld>
+    <p:spTree>
+      <p:nvGrpSpPr>
+        <p:cNvPr id="1" name=""/>
+        <p:cNvGrpSpPr/>
+        <p:nvPr/>
+      </p:nvGrpSpPr>
+      <p:grpSpPr>
+        <a:xfrm>
+          <a:off x="0" y="0"/>
+          <a:ext cx="0" cy="0"/>
+          <a:chOff x="0" y="0"/>
+          <a:chExt cx="0" cy="0"/>
+        </a:xfrm>
+      </p:grpSpPr>
+      <p:sp>
+        <p:nvSpPr>
+          <p:cNvPr id="2" name="Slide Image Placeholder 1"/>
+          <p:cNvSpPr>
+            <a:spLocks noGrp="1" noRot="1" noChangeAspect="1"/>
+          </p:cNvSpPr>
+          <p:nvPr>
+            <p:ph type="sldImg"/>
+          </p:nvPr>
+        </p:nvSpPr>
+        <p:spPr/>
+      </p:sp>
+      <p:sp>
+        <p:nvSpPr>
+          <p:cNvPr id="3" name="Notes Placeholder 2"/>
+          <p:cNvSpPr>
+            <a:spLocks noGrp="1"/>
+          </p:cNvSpPr>
+          <p:nvPr>
+            <p:ph type="body" idx="1"/>
+          </p:nvPr>
+        </p:nvSpPr>
+        <p:spPr/>
+        <p:txBody>
+          <a:bodyPr/>
+          <a:lstStyle/>
+          <a:p>
+            <a:endParaRPr lang="en-US"/>
+          </a:p>
+        </p:txBody>
+      </p:sp>
+      <p:sp>
+        <p:nvSpPr>
+          <p:cNvPr id="4" name="Slide Number Placeholder 3"/>
+          <p:cNvSpPr>
+            <a:spLocks noGrp="1"/>
+          </p:cNvSpPr>
+          <p:nvPr>
+            <p:ph type="sldNum" sz="quarter" idx="10"/>
+          </p:nvPr>
+        </p:nvSpPr>
+        <p:spPr/>
+        <p:txBody>
+          <a:bodyPr/>
+          <a:lstStyle/>
+          <a:p>
+            <a:fld id="{707F53B3-AD6C-44D7-B489-66BBF4EF5B97}" type="slidenum">
+              <a:rPr lang="en-US" smtClean="0"/>
+              <a:t>8</a:t>
+            </a:fld>
+            <a:endParaRPr lang="en-US"/>
+          </a:p>
+        </p:txBody>
+      </p:sp>
+    </p:spTree>
+    <p:extLst>
+      <p:ext uri="{BB962C8B-B14F-4D97-AF65-F5344CB8AC3E}">
+        <p14:creationId xmlns:p14="http://schemas.microsoft.com/office/powerpoint/2010/main" val="1259480710"/>
+      </p:ext>
+    </p:extLst>
+  </p:cSld>
+  <p:clrMapOvr>
+    <a:masterClrMapping/>
+  </p:clrMapOvr>
+</p:notes>
+</file>
+
+<file path=ppt/notesSlides/notesSlide9.xml><?xml version="1.0" encoding="utf-8"?>
+<p:notes xmlns:a="http://schemas.openxmlformats.org/drawingml/2006/main" xmlns:r="http://schemas.openxmlformats.org/officeDocument/2006/relationships" xmlns:p="http://schemas.openxmlformats.org/presentationml/2006/main">
+  <p:cSld>
+    <p:spTree>
+      <p:nvGrpSpPr>
+        <p:cNvPr id="1" name=""/>
+        <p:cNvGrpSpPr/>
+        <p:nvPr/>
+      </p:nvGrpSpPr>
+      <p:grpSpPr>
+        <a:xfrm>
+          <a:off x="0" y="0"/>
+          <a:ext cx="0" cy="0"/>
+          <a:chOff x="0" y="0"/>
+          <a:chExt cx="0" cy="0"/>
+        </a:xfrm>
+      </p:grpSpPr>
+      <p:sp>
+        <p:nvSpPr>
+          <p:cNvPr id="2" name="Slide Image Placeholder 1"/>
+          <p:cNvSpPr>
+            <a:spLocks noGrp="1" noRot="1" noChangeAspect="1"/>
+          </p:cNvSpPr>
+          <p:nvPr>
+            <p:ph type="sldImg"/>
+          </p:nvPr>
+        </p:nvSpPr>
+        <p:spPr/>
+      </p:sp>
+      <p:sp>
+        <p:nvSpPr>
+          <p:cNvPr id="3" name="Notes Placeholder 2"/>
+          <p:cNvSpPr>
+            <a:spLocks noGrp="1"/>
+          </p:cNvSpPr>
+          <p:nvPr>
+            <p:ph type="body" idx="1"/>
+          </p:nvPr>
+        </p:nvSpPr>
+        <p:spPr/>
+        <p:txBody>
+          <a:bodyPr/>
+          <a:lstStyle/>
+          <a:p>
+            <a:endParaRPr lang="en-US"/>
+          </a:p>
+        </p:txBody>
+      </p:sp>
+      <p:sp>
+        <p:nvSpPr>
+          <p:cNvPr id="4" name="Slide Number Placeholder 3"/>
+          <p:cNvSpPr>
+            <a:spLocks noGrp="1"/>
+          </p:cNvSpPr>
+          <p:nvPr>
+            <p:ph type="sldNum" sz="quarter" idx="10"/>
+          </p:nvPr>
+        </p:nvSpPr>
+        <p:spPr/>
+        <p:txBody>
+          <a:bodyPr/>
+          <a:lstStyle/>
+          <a:p>
+            <a:fld id="{707F53B3-AD6C-44D7-B489-66BBF4EF5B97}" type="slidenum">
+              <a:rPr lang="en-US" smtClean="0"/>
+              <a:t>9</a:t>
+            </a:fld>
+            <a:endParaRPr lang="en-US"/>
+          </a:p>
+        </p:txBody>
+      </p:sp>
+    </p:spTree>
+    <p:extLst>
+      <p:ext uri="{BB962C8B-B14F-4D97-AF65-F5344CB8AC3E}">
+        <p14:creationId xmlns:p14="http://schemas.microsoft.com/office/powerpoint/2010/main" val="2794444668"/>
       </p:ext>
     </p:extLst>
   </p:cSld>
@@ -6919,7 +7255,15 @@
           <a:p>
             <a:r>
               <a:rPr lang="en-US" dirty="0" smtClean="0"/>
-              <a:t>When large string is stored in a rope, it is divided into smaller “fragment” strings.</a:t>
+              <a:t>When </a:t>
+            </a:r>
+            <a:r>
+              <a:rPr lang="en-US" dirty="0" smtClean="0"/>
+              <a:t>a large </a:t>
+            </a:r>
+            <a:r>
+              <a:rPr lang="en-US" dirty="0" smtClean="0"/>
+              <a:t>string is stored in a rope, it is divided into smaller “fragment” strings.</a:t>
             </a:r>
           </a:p>
           <a:p>
@@ -6947,7 +7291,7 @@
           <p:nvPr/>
         </p:nvPicPr>
         <p:blipFill>
-          <a:blip r:embed="rId2">
+          <a:blip r:embed="rId3">
             <a:extLst>
               <a:ext uri="{28A0092B-C50C-407E-A947-70E740481C1C}">
                 <a14:useLocalDpi xmlns:a14="http://schemas.microsoft.com/office/drawing/2010/main" val="0"/>
@@ -6978,6 +7322,13 @@
   <p:clrMapOvr>
     <a:masterClrMapping/>
   </p:clrMapOvr>
+  <p:timing>
+    <p:tnLst>
+      <p:par>
+        <p:cTn id="1" dur="indefinite" restart="never" nodeType="tmRoot"/>
+      </p:par>
+    </p:tnLst>
+  </p:timing>
 </p:sld>
 </file>
 
@@ -7533,11 +7884,7 @@
           <a:p>
             <a:r>
               <a:rPr lang="en-US" dirty="0" smtClean="0"/>
-              <a:t>Concatenate </a:t>
-            </a:r>
-            <a:r>
-              <a:rPr lang="en-US" dirty="0" smtClean="0"/>
-              <a:t>– O(log n)</a:t>
+              <a:t>Concatenate – O(log n)</a:t>
             </a:r>
             <a:endParaRPr lang="en-US" dirty="0"/>
           </a:p>
@@ -8018,11 +8365,7 @@
           <a:p>
             <a:r>
               <a:rPr lang="en-US" b="1" dirty="0" smtClean="0"/>
-              <a:t>YOU: </a:t>
-            </a:r>
-            <a:r>
-              <a:rPr lang="en-US" b="1" dirty="0" smtClean="0"/>
-              <a:t>Insert(9, “,_jump,”)</a:t>
+              <a:t>YOU: Insert(9, “,_jump,”)</a:t>
             </a:r>
             <a:endParaRPr lang="en-US" b="1" dirty="0"/>
           </a:p>
@@ -8039,7 +8382,7 @@
           </p:nvPr>
         </p:nvPicPr>
         <p:blipFill>
-          <a:blip r:embed="rId2">
+          <a:blip r:embed="rId3">
             <a:extLst>
               <a:ext uri="{28A0092B-C50C-407E-A947-70E740481C1C}">
                 <a14:useLocalDpi xmlns:a14="http://schemas.microsoft.com/office/drawing/2010/main" val="0"/>
@@ -8198,7 +8541,7 @@
           </p:nvPr>
         </p:nvPicPr>
         <p:blipFill>
-          <a:blip r:embed="rId2">
+          <a:blip r:embed="rId3">
             <a:extLst>
               <a:ext uri="{28A0092B-C50C-407E-A947-70E740481C1C}">
                 <a14:useLocalDpi xmlns:a14="http://schemas.microsoft.com/office/drawing/2010/main" val="0"/>
@@ -8279,7 +8622,7 @@
             <p:ph idx="1"/>
             <p:extLst>
               <p:ext uri="{D42A27DB-BD31-4B8C-83A1-F6EECF244321}">
-                <p14:modId xmlns:p14="http://schemas.microsoft.com/office/powerpoint/2010/main" val="2976301077"/>
+                <p14:modId xmlns:p14="http://schemas.microsoft.com/office/powerpoint/2010/main" val="2384466474"/>
               </p:ext>
             </p:extLst>
           </p:nvPr>
@@ -8699,7 +9042,11 @@
                       <a:pPr algn="ctr"/>
                       <a:r>
                         <a:rPr lang="en-US" dirty="0" smtClean="0"/>
-                        <a:t>(n)</a:t>
+                        <a:t>O(n</a:t>
+                      </a:r>
+                      <a:r>
+                        <a:rPr lang="en-US" dirty="0" smtClean="0"/>
+                        <a:t>)</a:t>
                       </a:r>
                       <a:endParaRPr lang="en-US" dirty="0"/>
                     </a:p>
@@ -8721,6 +9068,13 @@
   <p:clrMapOvr>
     <a:masterClrMapping/>
   </p:clrMapOvr>
+  <p:timing>
+    <p:tnLst>
+      <p:par>
+        <p:cTn id="1" dur="indefinite" restart="never" nodeType="tmRoot"/>
+      </p:par>
+    </p:tnLst>
+  </p:timing>
 </p:sld>
 </file>
 

--- a/presentation1/Exercises.pptx
+++ b/presentation1/Exercises.pptx
@@ -168,7 +168,7 @@
           </a:prstGeom>
         </p:spPr>
         <p:txBody>
-          <a:bodyPr vert="horz" lIns="91440" tIns="45720" rIns="91440" bIns="45720" rtlCol="0"/>
+          <a:bodyPr vert="horz" lIns="91435" tIns="45718" rIns="91435" bIns="45718" rtlCol="0"/>
           <a:lstStyle>
             <a:lvl1pPr algn="l">
               <a:defRPr sz="1200"/>
@@ -199,7 +199,7 @@
           </a:prstGeom>
         </p:spPr>
         <p:txBody>
-          <a:bodyPr vert="horz" lIns="91440" tIns="45720" rIns="91440" bIns="45720" rtlCol="0"/>
+          <a:bodyPr vert="horz" lIns="91435" tIns="45718" rIns="91435" bIns="45718" rtlCol="0"/>
           <a:lstStyle>
             <a:lvl1pPr algn="r">
               <a:defRPr sz="1200"/>
@@ -226,7 +226,7 @@
         </p:nvSpPr>
         <p:spPr>
           <a:xfrm>
-            <a:off x="0" y="8685213"/>
+            <a:off x="0" y="8685214"/>
             <a:ext cx="2971800" cy="458787"/>
           </a:xfrm>
           <a:prstGeom prst="rect">
@@ -234,7 +234,7 @@
           </a:prstGeom>
         </p:spPr>
         <p:txBody>
-          <a:bodyPr vert="horz" lIns="91440" tIns="45720" rIns="91440" bIns="45720" rtlCol="0" anchor="b"/>
+          <a:bodyPr vert="horz" lIns="91435" tIns="45718" rIns="91435" bIns="45718" rtlCol="0" anchor="b"/>
           <a:lstStyle>
             <a:lvl1pPr algn="l">
               <a:defRPr sz="1200"/>
@@ -257,7 +257,7 @@
         </p:nvSpPr>
         <p:spPr>
           <a:xfrm>
-            <a:off x="3884613" y="8685213"/>
+            <a:off x="3884613" y="8685214"/>
             <a:ext cx="2971800" cy="458787"/>
           </a:xfrm>
           <a:prstGeom prst="rect">
@@ -265,7 +265,7 @@
           </a:prstGeom>
         </p:spPr>
         <p:txBody>
-          <a:bodyPr vert="horz" lIns="91440" tIns="45720" rIns="91440" bIns="45720" rtlCol="0" anchor="b"/>
+          <a:bodyPr vert="horz" lIns="91435" tIns="45718" rIns="91435" bIns="45718" rtlCol="0" anchor="b"/>
           <a:lstStyle>
             <a:lvl1pPr algn="r">
               <a:defRPr sz="1200"/>
@@ -333,7 +333,7 @@
           </a:prstGeom>
         </p:spPr>
         <p:txBody>
-          <a:bodyPr vert="horz" lIns="91440" tIns="45720" rIns="91440" bIns="45720" rtlCol="0"/>
+          <a:bodyPr vert="horz" lIns="91435" tIns="45718" rIns="91435" bIns="45718" rtlCol="0"/>
           <a:lstStyle>
             <a:lvl1pPr algn="l">
               <a:defRPr sz="1200"/>
@@ -364,7 +364,7 @@
           </a:prstGeom>
         </p:spPr>
         <p:txBody>
-          <a:bodyPr vert="horz" lIns="91440" tIns="45720" rIns="91440" bIns="45720" rtlCol="0"/>
+          <a:bodyPr vert="horz" lIns="91435" tIns="45718" rIns="91435" bIns="45718" rtlCol="0"/>
           <a:lstStyle>
             <a:lvl1pPr algn="r">
               <a:defRPr sz="1200"/>
@@ -405,7 +405,7 @@
           </a:ln>
         </p:spPr>
         <p:txBody>
-          <a:bodyPr vert="horz" lIns="91440" tIns="45720" rIns="91440" bIns="45720" rtlCol="0" anchor="ctr"/>
+          <a:bodyPr vert="horz" lIns="91435" tIns="45718" rIns="91435" bIns="45718" rtlCol="0" anchor="ctr"/>
           <a:lstStyle/>
           <a:p>
             <a:endParaRPr lang="en-US"/>
@@ -432,7 +432,7 @@
           </a:prstGeom>
         </p:spPr>
         <p:txBody>
-          <a:bodyPr vert="horz" lIns="91440" tIns="45720" rIns="91440" bIns="45720" rtlCol="0"/>
+          <a:bodyPr vert="horz" lIns="91435" tIns="45718" rIns="91435" bIns="45718" rtlCol="0"/>
           <a:lstStyle/>
           <a:p>
             <a:pPr lvl="0"/>
@@ -484,7 +484,7 @@
         </p:nvSpPr>
         <p:spPr>
           <a:xfrm>
-            <a:off x="0" y="8685213"/>
+            <a:off x="0" y="8685214"/>
             <a:ext cx="2971800" cy="458787"/>
           </a:xfrm>
           <a:prstGeom prst="rect">
@@ -492,7 +492,7 @@
           </a:prstGeom>
         </p:spPr>
         <p:txBody>
-          <a:bodyPr vert="horz" lIns="91440" tIns="45720" rIns="91440" bIns="45720" rtlCol="0" anchor="b"/>
+          <a:bodyPr vert="horz" lIns="91435" tIns="45718" rIns="91435" bIns="45718" rtlCol="0" anchor="b"/>
           <a:lstStyle>
             <a:lvl1pPr algn="l">
               <a:defRPr sz="1200"/>
@@ -515,7 +515,7 @@
         </p:nvSpPr>
         <p:spPr>
           <a:xfrm>
-            <a:off x="3884613" y="8685213"/>
+            <a:off x="3884613" y="8685214"/>
             <a:ext cx="2971800" cy="458787"/>
           </a:xfrm>
           <a:prstGeom prst="rect">
@@ -523,7 +523,7 @@
           </a:prstGeom>
         </p:spPr>
         <p:txBody>
-          <a:bodyPr vert="horz" lIns="91440" tIns="45720" rIns="91440" bIns="45720" rtlCol="0" anchor="b"/>
+          <a:bodyPr vert="horz" lIns="91435" tIns="45718" rIns="91435" bIns="45718" rtlCol="0" anchor="b"/>
           <a:lstStyle>
             <a:lvl1pPr algn="r">
               <a:defRPr sz="1200"/>
@@ -7255,15 +7255,7 @@
           <a:p>
             <a:r>
               <a:rPr lang="en-US" dirty="0" smtClean="0"/>
-              <a:t>When </a:t>
-            </a:r>
-            <a:r>
-              <a:rPr lang="en-US" dirty="0" smtClean="0"/>
-              <a:t>a large </a:t>
-            </a:r>
-            <a:r>
-              <a:rPr lang="en-US" dirty="0" smtClean="0"/>
-              <a:t>string is stored in a rope, it is divided into smaller “fragment” strings.</a:t>
+              <a:t>When a large string is stored in a rope, it is divided into smaller “fragment” strings.</a:t>
             </a:r>
           </a:p>
           <a:p>
@@ -7589,27 +7581,67 @@
                   </a:schemeClr>
                 </a:solidFill>
               </a:rPr>
-              <a:t>            return index(</a:t>
-            </a:r>
-            <a:r>
-              <a:rPr lang="en-US" dirty="0" err="1" smtClean="0">
+              <a:t>            return </a:t>
+            </a:r>
+            <a:r>
+              <a:rPr lang="en-US" dirty="0" smtClean="0">
                 <a:solidFill>
                   <a:schemeClr val="accent1">
                     <a:lumMod val="75000"/>
                   </a:schemeClr>
                 </a:solidFill>
               </a:rPr>
-              <a:t>root.right</a:t>
-            </a:r>
-            <a:r>
-              <a:rPr lang="en-US" dirty="0" smtClean="0">
+              <a:t>index(</a:t>
+            </a:r>
+            <a:r>
+              <a:rPr lang="en-US" dirty="0" err="1" smtClean="0">
                 <a:solidFill>
                   <a:schemeClr val="accent1">
                     <a:lumMod val="75000"/>
                   </a:schemeClr>
                 </a:solidFill>
               </a:rPr>
-              <a:t>, I - 			weight(root))</a:t>
+              <a:t>root.right</a:t>
+            </a:r>
+            <a:r>
+              <a:rPr lang="en-US" dirty="0" smtClean="0">
+                <a:solidFill>
+                  <a:schemeClr val="accent1">
+                    <a:lumMod val="75000"/>
+                  </a:schemeClr>
+                </a:solidFill>
+              </a:rPr>
+              <a:t>, </a:t>
+            </a:r>
+            <a:r>
+              <a:rPr lang="en-US" dirty="0">
+                <a:solidFill>
+                  <a:schemeClr val="accent1">
+                    <a:lumMod val="75000"/>
+                  </a:schemeClr>
+                </a:solidFill>
+              </a:rPr>
+              <a:t>i</a:t>
+            </a:r>
+            <a:r>
+              <a:rPr lang="en-US" dirty="0" smtClean="0">
+                <a:solidFill>
+                  <a:schemeClr val="accent1">
+                    <a:lumMod val="75000"/>
+                  </a:schemeClr>
+                </a:solidFill>
+              </a:rPr>
+              <a:t> </a:t>
+            </a:r>
+            <a:r>
+              <a:rPr lang="en-US" dirty="0" smtClean="0">
+                <a:solidFill>
+                  <a:schemeClr val="accent1">
+                    <a:lumMod val="75000"/>
+                  </a:schemeClr>
+                </a:solidFill>
+              </a:rPr>
+              <a:t>- 			weight(root))</a:t>
             </a:r>
           </a:p>
           <a:p>
@@ -9042,11 +9074,7 @@
                       <a:pPr algn="ctr"/>
                       <a:r>
                         <a:rPr lang="en-US" dirty="0" smtClean="0"/>
-                        <a:t>O(n</a:t>
-                      </a:r>
-                      <a:r>
-                        <a:rPr lang="en-US" dirty="0" smtClean="0"/>
-                        <a:t>)</a:t>
+                        <a:t>O(n)</a:t>
                       </a:r>
                       <a:endParaRPr lang="en-US" dirty="0"/>
                     </a:p>
